--- a/Fit or Fail Technical Status Presentation (NEW).pptx
+++ b/Fit or Fail Technical Status Presentation (NEW).pptx
@@ -169,7 +169,7 @@
           </a:lstStyle>
           <a:p>
             <a:r>
-              <a:rPr lang="en-US" smtClean="0"/>
+              <a:rPr lang="en-US"/>
               <a:t>Click to edit Master title style</a:t>
             </a:r>
             <a:endParaRPr lang="en-US" dirty="0"/>
@@ -240,7 +240,7 @@
           </a:lstStyle>
           <a:p>
             <a:r>
-              <a:rPr lang="en-US" smtClean="0"/>
+              <a:rPr lang="en-US"/>
               <a:t>Click to edit Master subtitle style</a:t>
             </a:r>
             <a:endParaRPr lang="en-US" dirty="0"/>
@@ -399,7 +399,7 @@
           <a:lstStyle/>
           <a:p>
             <a:r>
-              <a:rPr lang="en-US" smtClean="0"/>
+              <a:rPr lang="en-US"/>
               <a:t>Click to edit Master title style</a:t>
             </a:r>
             <a:endParaRPr lang="en-US" dirty="0"/>
@@ -423,35 +423,35 @@
           <a:p>
             <a:pPr lvl="0"/>
             <a:r>
-              <a:rPr lang="en-US" smtClean="0"/>
+              <a:rPr lang="en-US"/>
               <a:t>Edit Master text styles</a:t>
             </a:r>
           </a:p>
           <a:p>
             <a:pPr lvl="1"/>
             <a:r>
-              <a:rPr lang="en-US" smtClean="0"/>
+              <a:rPr lang="en-US"/>
               <a:t>Second level</a:t>
             </a:r>
           </a:p>
           <a:p>
             <a:pPr lvl="2"/>
             <a:r>
-              <a:rPr lang="en-US" smtClean="0"/>
+              <a:rPr lang="en-US"/>
               <a:t>Third level</a:t>
             </a:r>
           </a:p>
           <a:p>
             <a:pPr lvl="3"/>
             <a:r>
-              <a:rPr lang="en-US" smtClean="0"/>
+              <a:rPr lang="en-US"/>
               <a:t>Fourth level</a:t>
             </a:r>
           </a:p>
           <a:p>
             <a:pPr lvl="4"/>
             <a:r>
-              <a:rPr lang="en-US" smtClean="0"/>
+              <a:rPr lang="en-US"/>
               <a:t>Fifth level</a:t>
             </a:r>
             <a:endParaRPr lang="en-US" dirty="0"/>
@@ -609,7 +609,7 @@
           </a:lstStyle>
           <a:p>
             <a:r>
-              <a:rPr lang="en-US" smtClean="0"/>
+              <a:rPr lang="en-US"/>
               <a:t>Click to edit Master title style</a:t>
             </a:r>
             <a:endParaRPr lang="en-US" dirty="0"/>
@@ -638,35 +638,35 @@
           <a:p>
             <a:pPr lvl="0"/>
             <a:r>
-              <a:rPr lang="en-US" smtClean="0"/>
+              <a:rPr lang="en-US"/>
               <a:t>Edit Master text styles</a:t>
             </a:r>
           </a:p>
           <a:p>
             <a:pPr lvl="1"/>
             <a:r>
-              <a:rPr lang="en-US" smtClean="0"/>
+              <a:rPr lang="en-US"/>
               <a:t>Second level</a:t>
             </a:r>
           </a:p>
           <a:p>
             <a:pPr lvl="2"/>
             <a:r>
-              <a:rPr lang="en-US" smtClean="0"/>
+              <a:rPr lang="en-US"/>
               <a:t>Third level</a:t>
             </a:r>
           </a:p>
           <a:p>
             <a:pPr lvl="3"/>
             <a:r>
-              <a:rPr lang="en-US" smtClean="0"/>
+              <a:rPr lang="en-US"/>
               <a:t>Fourth level</a:t>
             </a:r>
           </a:p>
           <a:p>
             <a:pPr lvl="4"/>
             <a:r>
-              <a:rPr lang="en-US" smtClean="0"/>
+              <a:rPr lang="en-US"/>
               <a:t>Fifth level</a:t>
             </a:r>
             <a:endParaRPr lang="en-US" dirty="0"/>
@@ -815,7 +815,7 @@
           <a:lstStyle/>
           <a:p>
             <a:r>
-              <a:rPr lang="en-US" smtClean="0"/>
+              <a:rPr lang="en-US"/>
               <a:t>Click to edit Master title style</a:t>
             </a:r>
             <a:endParaRPr lang="en-US" dirty="0"/>
@@ -839,35 +839,35 @@
           <a:p>
             <a:pPr lvl="0"/>
             <a:r>
-              <a:rPr lang="en-US" smtClean="0"/>
+              <a:rPr lang="en-US"/>
               <a:t>Edit Master text styles</a:t>
             </a:r>
           </a:p>
           <a:p>
             <a:pPr lvl="1"/>
             <a:r>
-              <a:rPr lang="en-US" smtClean="0"/>
+              <a:rPr lang="en-US"/>
               <a:t>Second level</a:t>
             </a:r>
           </a:p>
           <a:p>
             <a:pPr lvl="2"/>
             <a:r>
-              <a:rPr lang="en-US" smtClean="0"/>
+              <a:rPr lang="en-US"/>
               <a:t>Third level</a:t>
             </a:r>
           </a:p>
           <a:p>
             <a:pPr lvl="3"/>
             <a:r>
-              <a:rPr lang="en-US" smtClean="0"/>
+              <a:rPr lang="en-US"/>
               <a:t>Fourth level</a:t>
             </a:r>
           </a:p>
           <a:p>
             <a:pPr lvl="4"/>
             <a:r>
-              <a:rPr lang="en-US" smtClean="0"/>
+              <a:rPr lang="en-US"/>
               <a:t>Fifth level</a:t>
             </a:r>
             <a:endParaRPr lang="en-US" dirty="0"/>
@@ -1027,7 +1027,7 @@
           </a:lstStyle>
           <a:p>
             <a:r>
-              <a:rPr lang="en-US" smtClean="0"/>
+              <a:rPr lang="en-US"/>
               <a:t>Click to edit Master title style</a:t>
             </a:r>
             <a:endParaRPr lang="en-US" dirty="0"/>
@@ -1147,7 +1147,7 @@
           <a:p>
             <a:pPr lvl="0"/>
             <a:r>
-              <a:rPr lang="en-US" smtClean="0"/>
+              <a:rPr lang="en-US"/>
               <a:t>Edit Master text styles</a:t>
             </a:r>
           </a:p>
@@ -1300,7 +1300,7 @@
           <a:lstStyle/>
           <a:p>
             <a:r>
-              <a:rPr lang="en-US" smtClean="0"/>
+              <a:rPr lang="en-US"/>
               <a:t>Click to edit Master title style</a:t>
             </a:r>
             <a:endParaRPr lang="en-US" dirty="0"/>
@@ -1329,35 +1329,35 @@
           <a:p>
             <a:pPr lvl="0"/>
             <a:r>
-              <a:rPr lang="en-US" smtClean="0"/>
+              <a:rPr lang="en-US"/>
               <a:t>Edit Master text styles</a:t>
             </a:r>
           </a:p>
           <a:p>
             <a:pPr lvl="1"/>
             <a:r>
-              <a:rPr lang="en-US" smtClean="0"/>
+              <a:rPr lang="en-US"/>
               <a:t>Second level</a:t>
             </a:r>
           </a:p>
           <a:p>
             <a:pPr lvl="2"/>
             <a:r>
-              <a:rPr lang="en-US" smtClean="0"/>
+              <a:rPr lang="en-US"/>
               <a:t>Third level</a:t>
             </a:r>
           </a:p>
           <a:p>
             <a:pPr lvl="3"/>
             <a:r>
-              <a:rPr lang="en-US" smtClean="0"/>
+              <a:rPr lang="en-US"/>
               <a:t>Fourth level</a:t>
             </a:r>
           </a:p>
           <a:p>
             <a:pPr lvl="4"/>
             <a:r>
-              <a:rPr lang="en-US" smtClean="0"/>
+              <a:rPr lang="en-US"/>
               <a:t>Fifth level</a:t>
             </a:r>
             <a:endParaRPr lang="en-US" dirty="0"/>
@@ -1386,35 +1386,35 @@
           <a:p>
             <a:pPr lvl="0"/>
             <a:r>
-              <a:rPr lang="en-US" smtClean="0"/>
+              <a:rPr lang="en-US"/>
               <a:t>Edit Master text styles</a:t>
             </a:r>
           </a:p>
           <a:p>
             <a:pPr lvl="1"/>
             <a:r>
-              <a:rPr lang="en-US" smtClean="0"/>
+              <a:rPr lang="en-US"/>
               <a:t>Second level</a:t>
             </a:r>
           </a:p>
           <a:p>
             <a:pPr lvl="2"/>
             <a:r>
-              <a:rPr lang="en-US" smtClean="0"/>
+              <a:rPr lang="en-US"/>
               <a:t>Third level</a:t>
             </a:r>
           </a:p>
           <a:p>
             <a:pPr lvl="3"/>
             <a:r>
-              <a:rPr lang="en-US" smtClean="0"/>
+              <a:rPr lang="en-US"/>
               <a:t>Fourth level</a:t>
             </a:r>
           </a:p>
           <a:p>
             <a:pPr lvl="4"/>
             <a:r>
-              <a:rPr lang="en-US" smtClean="0"/>
+              <a:rPr lang="en-US"/>
               <a:t>Fifth level</a:t>
             </a:r>
             <a:endParaRPr lang="en-US" dirty="0"/>
@@ -1573,7 +1573,7 @@
           <a:lstStyle/>
           <a:p>
             <a:r>
-              <a:rPr lang="en-US" smtClean="0"/>
+              <a:rPr lang="en-US"/>
               <a:t>Click to edit Master title style</a:t>
             </a:r>
             <a:endParaRPr lang="en-US" dirty="0"/>
@@ -1648,7 +1648,7 @@
           <a:p>
             <a:pPr lvl="0"/>
             <a:r>
-              <a:rPr lang="en-US" smtClean="0"/>
+              <a:rPr lang="en-US"/>
               <a:t>Edit Master text styles</a:t>
             </a:r>
           </a:p>
@@ -1676,35 +1676,35 @@
           <a:p>
             <a:pPr lvl="0"/>
             <a:r>
-              <a:rPr lang="en-US" smtClean="0"/>
+              <a:rPr lang="en-US"/>
               <a:t>Edit Master text styles</a:t>
             </a:r>
           </a:p>
           <a:p>
             <a:pPr lvl="1"/>
             <a:r>
-              <a:rPr lang="en-US" smtClean="0"/>
+              <a:rPr lang="en-US"/>
               <a:t>Second level</a:t>
             </a:r>
           </a:p>
           <a:p>
             <a:pPr lvl="2"/>
             <a:r>
-              <a:rPr lang="en-US" smtClean="0"/>
+              <a:rPr lang="en-US"/>
               <a:t>Third level</a:t>
             </a:r>
           </a:p>
           <a:p>
             <a:pPr lvl="3"/>
             <a:r>
-              <a:rPr lang="en-US" smtClean="0"/>
+              <a:rPr lang="en-US"/>
               <a:t>Fourth level</a:t>
             </a:r>
           </a:p>
           <a:p>
             <a:pPr lvl="4"/>
             <a:r>
-              <a:rPr lang="en-US" smtClean="0"/>
+              <a:rPr lang="en-US"/>
               <a:t>Fifth level</a:t>
             </a:r>
             <a:endParaRPr lang="en-US" dirty="0"/>
@@ -1779,7 +1779,7 @@
           <a:p>
             <a:pPr lvl="0"/>
             <a:r>
-              <a:rPr lang="en-US" smtClean="0"/>
+              <a:rPr lang="en-US"/>
               <a:t>Edit Master text styles</a:t>
             </a:r>
           </a:p>
@@ -1807,35 +1807,35 @@
           <a:p>
             <a:pPr lvl="0"/>
             <a:r>
-              <a:rPr lang="en-US" smtClean="0"/>
+              <a:rPr lang="en-US"/>
               <a:t>Edit Master text styles</a:t>
             </a:r>
           </a:p>
           <a:p>
             <a:pPr lvl="1"/>
             <a:r>
-              <a:rPr lang="en-US" smtClean="0"/>
+              <a:rPr lang="en-US"/>
               <a:t>Second level</a:t>
             </a:r>
           </a:p>
           <a:p>
             <a:pPr lvl="2"/>
             <a:r>
-              <a:rPr lang="en-US" smtClean="0"/>
+              <a:rPr lang="en-US"/>
               <a:t>Third level</a:t>
             </a:r>
           </a:p>
           <a:p>
             <a:pPr lvl="3"/>
             <a:r>
-              <a:rPr lang="en-US" smtClean="0"/>
+              <a:rPr lang="en-US"/>
               <a:t>Fourth level</a:t>
             </a:r>
           </a:p>
           <a:p>
             <a:pPr lvl="4"/>
             <a:r>
-              <a:rPr lang="en-US" smtClean="0"/>
+              <a:rPr lang="en-US"/>
               <a:t>Fifth level</a:t>
             </a:r>
             <a:endParaRPr lang="en-US" dirty="0"/>
@@ -1989,7 +1989,7 @@
           <a:lstStyle/>
           <a:p>
             <a:r>
-              <a:rPr lang="en-US" smtClean="0"/>
+              <a:rPr lang="en-US"/>
               <a:t>Click to edit Master title style</a:t>
             </a:r>
             <a:endParaRPr lang="en-US" dirty="0"/>
@@ -2244,7 +2244,7 @@
           </a:lstStyle>
           <a:p>
             <a:r>
-              <a:rPr lang="en-US" smtClean="0"/>
+              <a:rPr lang="en-US"/>
               <a:t>Click to edit Master title style</a:t>
             </a:r>
             <a:endParaRPr lang="en-US" dirty="0"/>
@@ -2273,35 +2273,35 @@
           <a:p>
             <a:pPr lvl="0"/>
             <a:r>
-              <a:rPr lang="en-US" smtClean="0"/>
+              <a:rPr lang="en-US"/>
               <a:t>Edit Master text styles</a:t>
             </a:r>
           </a:p>
           <a:p>
             <a:pPr lvl="1"/>
             <a:r>
-              <a:rPr lang="en-US" smtClean="0"/>
+              <a:rPr lang="en-US"/>
               <a:t>Second level</a:t>
             </a:r>
           </a:p>
           <a:p>
             <a:pPr lvl="2"/>
             <a:r>
-              <a:rPr lang="en-US" smtClean="0"/>
+              <a:rPr lang="en-US"/>
               <a:t>Third level</a:t>
             </a:r>
           </a:p>
           <a:p>
             <a:pPr lvl="3"/>
             <a:r>
-              <a:rPr lang="en-US" smtClean="0"/>
+              <a:rPr lang="en-US"/>
               <a:t>Fourth level</a:t>
             </a:r>
           </a:p>
           <a:p>
             <a:pPr lvl="4"/>
             <a:r>
-              <a:rPr lang="en-US" smtClean="0"/>
+              <a:rPr lang="en-US"/>
               <a:t>Fifth level</a:t>
             </a:r>
             <a:endParaRPr lang="en-US" dirty="0"/>
@@ -2367,7 +2367,7 @@
           <a:p>
             <a:pPr lvl="0"/>
             <a:r>
-              <a:rPr lang="en-US" smtClean="0"/>
+              <a:rPr lang="en-US"/>
               <a:t>Edit Master text styles</a:t>
             </a:r>
           </a:p>
@@ -2665,7 +2665,7 @@
           </a:lstStyle>
           <a:p>
             <a:r>
-              <a:rPr lang="en-US" smtClean="0"/>
+              <a:rPr lang="en-US"/>
               <a:t>Click to edit Master title style</a:t>
             </a:r>
             <a:endParaRPr lang="en-US" dirty="0"/>
@@ -2740,7 +2740,7 @@
           </a:lstStyle>
           <a:p>
             <a:r>
-              <a:rPr lang="en-US" smtClean="0"/>
+              <a:rPr lang="en-US"/>
               <a:t>Click icon to add picture</a:t>
             </a:r>
             <a:endParaRPr lang="en-US" dirty="0"/>
@@ -2808,7 +2808,7 @@
           <a:p>
             <a:pPr lvl="0"/>
             <a:r>
-              <a:rPr lang="en-US" smtClean="0"/>
+              <a:rPr lang="en-US"/>
               <a:t>Edit Master text styles</a:t>
             </a:r>
           </a:p>
@@ -3063,7 +3063,7 @@
           <a:lstStyle/>
           <a:p>
             <a:r>
-              <a:rPr lang="en-US" smtClean="0"/>
+              <a:rPr lang="en-US"/>
               <a:t>Click to edit Master title style</a:t>
             </a:r>
             <a:endParaRPr lang="en-US" dirty="0"/>
@@ -3715,7 +3715,12 @@
             <p:ph type="subTitle" idx="1"/>
           </p:nvPr>
         </p:nvSpPr>
-        <p:spPr/>
+        <p:spPr>
+          <a:xfrm>
+            <a:off x="2417780" y="3531204"/>
+            <a:ext cx="8637072" cy="1544379"/>
+          </a:xfrm>
+        </p:spPr>
         <p:txBody>
           <a:bodyPr>
             <a:normAutofit fontScale="62500" lnSpcReduction="20000"/>
@@ -3750,6 +3755,22 @@
             <a:r>
               <a:rPr lang="en-US" dirty="0"/>
               <a:t> </a:t>
+            </a:r>
+          </a:p>
+          <a:p>
+            <a:r>
+              <a:rPr lang="en-US" dirty="0" err="1"/>
+              <a:t>Adamma</a:t>
+            </a:r>
+            <a:r>
+              <a:rPr lang="en-US" dirty="0"/>
+              <a:t> Newman</a:t>
+            </a:r>
+          </a:p>
+          <a:p>
+            <a:r>
+              <a:rPr lang="en-US" dirty="0"/>
+              <a:t>Makafui Dzeze</a:t>
             </a:r>
           </a:p>
         </p:txBody>
@@ -3837,19 +3858,15 @@
           <a:p>
             <a:pPr algn="ctr"/>
             <a:r>
-              <a:rPr lang="en-US" dirty="0" smtClean="0"/>
+              <a:rPr lang="en-US" dirty="0"/>
               <a:t>Deliverables:</a:t>
             </a:r>
             <a:br>
-              <a:rPr lang="en-US" dirty="0" smtClean="0"/>
+              <a:rPr lang="en-US" dirty="0"/>
             </a:br>
             <a:r>
-              <a:rPr lang="en-US" dirty="0" smtClean="0"/>
-              <a:t>Work </a:t>
-            </a:r>
-            <a:r>
-              <a:rPr lang="en-US" dirty="0"/>
-              <a:t>Breakdown Structure</a:t>
+              <a:rPr lang="en-US" dirty="0"/>
+              <a:t>Work Breakdown Structure</a:t>
             </a:r>
           </a:p>
         </p:txBody>
@@ -3937,10 +3954,9 @@
           <a:p>
             <a:pPr algn="ctr"/>
             <a:r>
-              <a:rPr lang="en-US" dirty="0" smtClean="0"/>
+              <a:rPr lang="en-US" dirty="0"/>
               <a:t>Project Review: I</a:t>
             </a:r>
-            <a:endParaRPr lang="en-US" dirty="0"/>
           </a:p>
         </p:txBody>
       </p:sp>
@@ -4021,10 +4037,9 @@
           <a:p>
             <a:pPr algn="ctr"/>
             <a:r>
-              <a:rPr lang="en-US" dirty="0" smtClean="0"/>
+              <a:rPr lang="en-US" dirty="0"/>
               <a:t>Project Review: II</a:t>
             </a:r>
-            <a:endParaRPr lang="en-US" dirty="0"/>
           </a:p>
         </p:txBody>
       </p:sp>
@@ -4099,10 +4114,9 @@
           <a:p>
             <a:pPr algn="ctr"/>
             <a:r>
-              <a:rPr lang="en-US" dirty="0" smtClean="0"/>
+              <a:rPr lang="en-US" dirty="0"/>
               <a:t>Challenges Faced</a:t>
             </a:r>
-            <a:endParaRPr lang="en-US" dirty="0"/>
           </a:p>
         </p:txBody>
       </p:sp>
@@ -4124,89 +4138,88 @@
           <a:lstStyle/>
           <a:p>
             <a:r>
-              <a:rPr lang="en-US" dirty="0" smtClean="0"/>
+              <a:rPr lang="en-US" dirty="0"/>
               <a:t>Our collective </a:t>
             </a:r>
             <a:r>
-              <a:rPr lang="en-US" dirty="0" err="1" smtClean="0"/>
+              <a:rPr lang="en-US" dirty="0" err="1"/>
               <a:t>webdev</a:t>
             </a:r>
             <a:r>
-              <a:rPr lang="en-US" dirty="0" smtClean="0"/>
+              <a:rPr lang="en-US" dirty="0"/>
               <a:t> experience equates to basic static HTML pages</a:t>
             </a:r>
           </a:p>
           <a:p>
             <a:r>
-              <a:rPr lang="en-US" dirty="0" smtClean="0"/>
+              <a:rPr lang="en-US" dirty="0"/>
               <a:t>Learning:</a:t>
             </a:r>
           </a:p>
           <a:p>
             <a:pPr lvl="1"/>
             <a:r>
-              <a:rPr lang="en-US" dirty="0" smtClean="0"/>
+              <a:rPr lang="en-US" dirty="0"/>
               <a:t>Miscellaneous </a:t>
             </a:r>
             <a:r>
-              <a:rPr lang="en-US" dirty="0" err="1" smtClean="0"/>
+              <a:rPr lang="en-US" dirty="0" err="1"/>
               <a:t>webdev</a:t>
             </a:r>
             <a:r>
-              <a:rPr lang="en-US" dirty="0" smtClean="0"/>
+              <a:rPr lang="en-US" dirty="0"/>
               <a:t> vocabulary</a:t>
             </a:r>
           </a:p>
           <a:p>
             <a:pPr lvl="1"/>
             <a:r>
-              <a:rPr lang="en-US" dirty="0" err="1" smtClean="0"/>
+              <a:rPr lang="en-US" dirty="0" err="1"/>
               <a:t>Git</a:t>
             </a:r>
-            <a:endParaRPr lang="en-US" dirty="0" smtClean="0"/>
+            <a:endParaRPr lang="en-US" dirty="0"/>
           </a:p>
           <a:p>
             <a:pPr lvl="1"/>
             <a:r>
-              <a:rPr lang="en-US" dirty="0" smtClean="0"/>
+              <a:rPr lang="en-US" dirty="0"/>
               <a:t>JavaScript</a:t>
             </a:r>
           </a:p>
           <a:p>
             <a:pPr lvl="1"/>
             <a:r>
-              <a:rPr lang="en-US" dirty="0" smtClean="0"/>
+              <a:rPr lang="en-US" dirty="0"/>
               <a:t>Frameworks</a:t>
             </a:r>
           </a:p>
           <a:p>
             <a:pPr lvl="2"/>
             <a:r>
-              <a:rPr lang="en-US" dirty="0" smtClean="0"/>
+              <a:rPr lang="en-US" dirty="0"/>
               <a:t>React, Bootstrap</a:t>
             </a:r>
           </a:p>
           <a:p>
             <a:pPr lvl="2"/>
             <a:r>
-              <a:rPr lang="en-US" dirty="0" smtClean="0"/>
+              <a:rPr lang="en-US" dirty="0"/>
               <a:t>Node/Express</a:t>
             </a:r>
           </a:p>
           <a:p>
             <a:pPr lvl="1"/>
             <a:r>
-              <a:rPr lang="en-US" dirty="0" smtClean="0"/>
+              <a:rPr lang="en-US" dirty="0"/>
               <a:t>User authentication</a:t>
             </a:r>
           </a:p>
           <a:p>
             <a:pPr lvl="1"/>
             <a:r>
-              <a:rPr lang="en-US" dirty="0" smtClean="0"/>
+              <a:rPr lang="en-US" dirty="0"/>
               <a:t>Databases</a:t>
             </a:r>
-            <a:endParaRPr lang="en-US" dirty="0"/>
           </a:p>
         </p:txBody>
       </p:sp>
@@ -4257,10 +4270,9 @@
           <a:p>
             <a:pPr algn="ctr"/>
             <a:r>
-              <a:rPr lang="en-US" dirty="0" smtClean="0"/>
+              <a:rPr lang="en-US" dirty="0"/>
               <a:t>Our To-do List</a:t>
             </a:r>
-            <a:endParaRPr lang="en-US" dirty="0"/>
           </a:p>
         </p:txBody>
       </p:sp>
@@ -4282,86 +4294,86 @@
           <a:lstStyle/>
           <a:p>
             <a:r>
-              <a:rPr lang="en-US" dirty="0" smtClean="0"/>
+              <a:rPr lang="en-US" dirty="0"/>
               <a:t>Create working frontend prototype, working incrementally</a:t>
             </a:r>
           </a:p>
           <a:p>
             <a:pPr lvl="1"/>
             <a:r>
-              <a:rPr lang="en-US" dirty="0" smtClean="0"/>
+              <a:rPr lang="en-US" dirty="0"/>
               <a:t>Login/Register page</a:t>
             </a:r>
           </a:p>
           <a:p>
             <a:pPr lvl="2"/>
             <a:r>
-              <a:rPr lang="en-US" dirty="0" smtClean="0"/>
+              <a:rPr lang="en-US" dirty="0"/>
               <a:t>Connect to backend</a:t>
             </a:r>
           </a:p>
           <a:p>
             <a:pPr lvl="1"/>
             <a:r>
-              <a:rPr lang="en-US" dirty="0" smtClean="0"/>
+              <a:rPr lang="en-US" dirty="0"/>
               <a:t>Game</a:t>
             </a:r>
           </a:p>
           <a:p>
             <a:pPr lvl="2"/>
             <a:r>
-              <a:rPr lang="en-US" dirty="0" smtClean="0"/>
+              <a:rPr lang="en-US" dirty="0"/>
               <a:t>Local</a:t>
             </a:r>
           </a:p>
           <a:p>
             <a:pPr lvl="2"/>
             <a:r>
-              <a:rPr lang="en-US" dirty="0" smtClean="0"/>
+              <a:rPr lang="en-US" dirty="0"/>
               <a:t>Online</a:t>
             </a:r>
           </a:p>
           <a:p>
             <a:pPr lvl="1"/>
             <a:r>
-              <a:rPr lang="en-US" dirty="0" smtClean="0"/>
+              <a:rPr lang="en-US" dirty="0"/>
               <a:t>User pages</a:t>
             </a:r>
           </a:p>
           <a:p>
             <a:pPr lvl="1"/>
             <a:r>
-              <a:rPr lang="en-US" dirty="0" smtClean="0"/>
+              <a:rPr lang="en-US" dirty="0"/>
               <a:t>Team pages</a:t>
             </a:r>
           </a:p>
           <a:p>
             <a:pPr lvl="1"/>
             <a:r>
-              <a:rPr lang="en-US" dirty="0" smtClean="0"/>
+              <a:rPr lang="en-US" dirty="0"/>
               <a:t>Public leaderboards</a:t>
             </a:r>
           </a:p>
           <a:p>
             <a:r>
-              <a:rPr lang="en-US" dirty="0" smtClean="0"/>
+              <a:rPr lang="en-US" dirty="0"/>
               <a:t>Acquire hosting, make </a:t>
             </a:r>
             <a:r>
-              <a:rPr lang="en-US" smtClean="0"/>
+              <a:rPr lang="en-US"/>
               <a:t>the project live</a:t>
             </a:r>
-            <a:endParaRPr lang="en-US" dirty="0" smtClean="0"/>
-          </a:p>
-          <a:p>
-            <a:r>
-              <a:rPr lang="en-US" dirty="0" smtClean="0"/>
+            <a:endParaRPr lang="en-US" dirty="0"/>
+          </a:p>
+          <a:p>
+            <a:r>
+              <a:rPr lang="en-US" dirty="0"/>
               <a:t>Expand upon backend functionality as needed</a:t>
             </a:r>
           </a:p>
           <a:p>
             <a:r>
-              <a:rPr lang="en-US" dirty="0" smtClean="0"/>
+              <a:rPr lang="en-US" dirty="0"/>
               <a:t>Expand upon testing skeleton</a:t>
             </a:r>
           </a:p>
@@ -4444,35 +4456,35 @@
           <a:lstStyle/>
           <a:p>
             <a:r>
-              <a:rPr lang="en-US" dirty="0" smtClean="0"/>
+              <a:rPr lang="en-US" dirty="0"/>
               <a:t>Christian </a:t>
             </a:r>
             <a:r>
-              <a:rPr lang="en-US" dirty="0" err="1" smtClean="0"/>
+              <a:rPr lang="en-US" dirty="0" err="1"/>
               <a:t>Sauls</a:t>
             </a:r>
             <a:r>
-              <a:rPr lang="en-US" dirty="0" smtClean="0"/>
+              <a:rPr lang="en-US" dirty="0"/>
               <a:t> – Programmer (backend), coordinator, minor documenter, minor designer, minor frontend </a:t>
             </a:r>
           </a:p>
           <a:p>
             <a:r>
-              <a:rPr lang="en-US" dirty="0" smtClean="0"/>
+              <a:rPr lang="en-US" dirty="0"/>
               <a:t>Travis Stewart – Documenter (SPMP,  use cases, Gantt chart, and more), minor designer</a:t>
             </a:r>
           </a:p>
           <a:p>
             <a:r>
-              <a:rPr lang="en-US" dirty="0" smtClean="0"/>
+              <a:rPr lang="en-US" dirty="0"/>
               <a:t>Josh </a:t>
             </a:r>
             <a:r>
-              <a:rPr lang="en-US" dirty="0" err="1" smtClean="0"/>
+              <a:rPr lang="en-US" dirty="0" err="1"/>
               <a:t>Shevitz</a:t>
             </a:r>
             <a:r>
-              <a:rPr lang="en-US" dirty="0" smtClean="0"/>
+              <a:rPr lang="en-US" dirty="0"/>
               <a:t> – Programmer (frontend), coordinator, designer</a:t>
             </a:r>
           </a:p>
@@ -4605,23 +4617,11 @@
             </a:pPr>
             <a:r>
               <a:rPr lang="en-US" dirty="0"/>
-              <a:t>To create a </a:t>
-            </a:r>
-            <a:r>
-              <a:rPr lang="en-US" dirty="0" smtClean="0"/>
-              <a:t>fun, interactive </a:t>
-            </a:r>
-            <a:r>
-              <a:rPr lang="en-US" dirty="0"/>
-              <a:t>learning experience </a:t>
-            </a:r>
-            <a:r>
-              <a:rPr lang="en-US" dirty="0" smtClean="0"/>
-              <a:t>that educates teens on consistent healthy lifestyle decisions such as diet and exercise</a:t>
-            </a:r>
-          </a:p>
-          <a:p>
-            <a:endParaRPr lang="en-US" dirty="0" smtClean="0"/>
+              <a:t>To create a fun, interactive learning experience that educates teens on consistent healthy lifestyle decisions such as diet and exercise</a:t>
+            </a:r>
+          </a:p>
+          <a:p>
+            <a:endParaRPr lang="en-US" dirty="0"/>
           </a:p>
           <a:p>
             <a:pPr marL="285750" indent="-285750">
@@ -4629,12 +4629,8 @@
               <a:buChar char="•"/>
             </a:pPr>
             <a:r>
-              <a:rPr lang="en-US" dirty="0" smtClean="0"/>
-              <a:t>US </a:t>
-            </a:r>
-            <a:r>
-              <a:rPr lang="en-US" dirty="0"/>
-              <a:t>Dept of Health and Human Services (DHHS) – </a:t>
+              <a:rPr lang="en-US" dirty="0"/>
+              <a:t>US Dept of Health and Human Services (DHHS) – </a:t>
             </a:r>
             <a:r>
               <a:rPr lang="en-US" dirty="0">
@@ -4642,17 +4638,9 @@
                   <a:srgbClr val="FF0000"/>
                 </a:solidFill>
               </a:rPr>
-              <a:t>“teens today are more likely to develop a sustained interest in a healthy, active lifestyle if they are provided with some type of technology-based “game-like” tool to stimulate their interest in the areas</a:t>
-            </a:r>
-            <a:r>
-              <a:rPr lang="en-US" dirty="0" smtClean="0">
-                <a:solidFill>
-                  <a:srgbClr val="FF0000"/>
-                </a:solidFill>
-              </a:rPr>
-              <a:t>.“</a:t>
-            </a:r>
-            <a:endParaRPr lang="en-US" dirty="0" smtClean="0"/>
+              <a:t>“teens today are more likely to develop a sustained interest in a healthy, active lifestyle if they are provided with some type of technology-based “game-like” tool to stimulate their interest in the areas.“</a:t>
+            </a:r>
+            <a:endParaRPr lang="en-US" dirty="0"/>
           </a:p>
           <a:p>
             <a:pPr marL="285750" indent="-285750">
@@ -4678,13 +4666,8 @@
             </a:pPr>
             <a:r>
               <a:rPr lang="en-US" dirty="0"/>
-              <a:t>Primary platform: </a:t>
-            </a:r>
-            <a:r>
-              <a:rPr lang="en-US" dirty="0" smtClean="0"/>
-              <a:t>mobile</a:t>
-            </a:r>
-            <a:endParaRPr lang="en-US" dirty="0"/>
+              <a:t>Primary platform: mobile</a:t>
+            </a:r>
           </a:p>
         </p:txBody>
       </p:sp>
@@ -4741,12 +4724,8 @@
           <a:p>
             <a:pPr algn="ctr"/>
             <a:r>
-              <a:rPr lang="en-US" dirty="0" smtClean="0"/>
-              <a:t>Technologies </a:t>
-            </a:r>
-            <a:r>
-              <a:rPr lang="en-US" dirty="0"/>
-              <a:t>Used</a:t>
+              <a:rPr lang="en-US" dirty="0"/>
+              <a:t>Technologies Used</a:t>
             </a:r>
           </a:p>
         </p:txBody>
@@ -4784,10 +4763,9 @@
               <a:buChar char="•"/>
             </a:pPr>
             <a:r>
-              <a:rPr lang="en-US" dirty="0" smtClean="0"/>
+              <a:rPr lang="en-US" dirty="0"/>
               <a:t>Front end:</a:t>
             </a:r>
-            <a:endParaRPr lang="en-US" dirty="0"/>
           </a:p>
           <a:p>
             <a:pPr marL="742950" lvl="1" indent="-285750">
@@ -4795,7 +4773,7 @@
               <a:buChar char="•"/>
             </a:pPr>
             <a:r>
-              <a:rPr lang="en-US" dirty="0" smtClean="0"/>
+              <a:rPr lang="en-US" dirty="0"/>
               <a:t>HTML/CSS</a:t>
             </a:r>
           </a:p>
@@ -4805,7 +4783,7 @@
               <a:buChar char="•"/>
             </a:pPr>
             <a:r>
-              <a:rPr lang="en-US" dirty="0" smtClean="0"/>
+              <a:rPr lang="en-US" dirty="0"/>
               <a:t>JavaScript</a:t>
             </a:r>
           </a:p>
@@ -4815,7 +4793,7 @@
               <a:buChar char="•"/>
             </a:pPr>
             <a:r>
-              <a:rPr lang="en-US" dirty="0" smtClean="0"/>
+              <a:rPr lang="en-US" dirty="0"/>
               <a:t>React</a:t>
             </a:r>
           </a:p>
@@ -4825,10 +4803,9 @@
               <a:buChar char="•"/>
             </a:pPr>
             <a:r>
-              <a:rPr lang="en-US" dirty="0" smtClean="0"/>
+              <a:rPr lang="en-US" dirty="0"/>
               <a:t>Bootstrap (possibly)</a:t>
             </a:r>
-            <a:endParaRPr lang="en-US" dirty="0"/>
           </a:p>
           <a:p>
             <a:pPr marL="285750" indent="-285750">
@@ -4836,14 +4813,9 @@
               <a:buChar char="•"/>
             </a:pPr>
             <a:r>
-              <a:rPr lang="en-US" dirty="0" smtClean="0"/>
-              <a:t>Back </a:t>
-            </a:r>
-            <a:r>
-              <a:rPr lang="en-US" dirty="0" smtClean="0"/>
-              <a:t>end</a:t>
-            </a:r>
-            <a:endParaRPr lang="en-US" dirty="0"/>
+              <a:rPr lang="en-US" dirty="0"/>
+              <a:t>Back end</a:t>
+            </a:r>
           </a:p>
           <a:p>
             <a:pPr marL="742950" lvl="1" indent="-285750">
@@ -4851,7 +4823,7 @@
               <a:buChar char="•"/>
             </a:pPr>
             <a:r>
-              <a:rPr lang="en-US" dirty="0" smtClean="0"/>
+              <a:rPr lang="en-US" dirty="0"/>
               <a:t>MongoDB</a:t>
             </a:r>
           </a:p>
@@ -4861,10 +4833,9 @@
               <a:buChar char="•"/>
             </a:pPr>
             <a:r>
-              <a:rPr lang="en-US" dirty="0" smtClean="0"/>
+              <a:rPr lang="en-US" dirty="0"/>
               <a:t>JavaScript</a:t>
             </a:r>
-            <a:endParaRPr lang="en-US" dirty="0" smtClean="0"/>
           </a:p>
           <a:p>
             <a:pPr marL="1200150" lvl="2" indent="-285750">
@@ -4872,7 +4843,7 @@
               <a:buChar char="•"/>
             </a:pPr>
             <a:r>
-              <a:rPr lang="en-US" dirty="0" smtClean="0"/>
+              <a:rPr lang="en-US" dirty="0"/>
               <a:t>Express.js</a:t>
             </a:r>
           </a:p>
@@ -4882,18 +4853,9 @@
               <a:buChar char="•"/>
             </a:pPr>
             <a:r>
-              <a:rPr lang="en-US" dirty="0" smtClean="0"/>
-              <a:t>JSON </a:t>
-            </a:r>
-            <a:r>
-              <a:rPr lang="en-US" dirty="0" smtClean="0"/>
-              <a:t>Web </a:t>
-            </a:r>
-            <a:r>
-              <a:rPr lang="en-US" dirty="0" smtClean="0"/>
-              <a:t>Tokens</a:t>
-            </a:r>
-            <a:endParaRPr lang="en-US" dirty="0"/>
+              <a:rPr lang="en-US" dirty="0"/>
+              <a:t>JSON Web Tokens</a:t>
+            </a:r>
           </a:p>
           <a:p>
             <a:pPr marL="285750" indent="-285750">
@@ -4901,10 +4863,9 @@
               <a:buChar char="•"/>
             </a:pPr>
             <a:r>
-              <a:rPr lang="en-US" dirty="0" smtClean="0"/>
+              <a:rPr lang="en-US" dirty="0"/>
               <a:t>Domain/Hosting provider</a:t>
             </a:r>
-            <a:endParaRPr lang="en-US" dirty="0"/>
           </a:p>
           <a:p>
             <a:pPr marL="742950" lvl="1" indent="-285750">
@@ -4912,10 +4873,9 @@
               <a:buChar char="•"/>
             </a:pPr>
             <a:r>
-              <a:rPr lang="en-US" dirty="0" smtClean="0"/>
+              <a:rPr lang="en-US" dirty="0"/>
               <a:t>name.com (GitHub student developer pack)</a:t>
             </a:r>
-            <a:endParaRPr lang="en-US" dirty="0" smtClean="0"/>
           </a:p>
         </p:txBody>
       </p:sp>
@@ -5011,12 +4971,8 @@
               <a:buChar char="•"/>
             </a:pPr>
             <a:r>
-              <a:rPr lang="en-US" dirty="0" smtClean="0"/>
-              <a:t>Online multiplayer trivia </a:t>
-            </a:r>
-            <a:r>
-              <a:rPr lang="en-US" dirty="0" smtClean="0"/>
-              <a:t>game</a:t>
+              <a:rPr lang="en-US" dirty="0"/>
+              <a:t>Online multiplayer trivia game</a:t>
             </a:r>
           </a:p>
           <a:p>
@@ -5025,10 +4981,9 @@
               <a:buChar char="•"/>
             </a:pPr>
             <a:r>
-              <a:rPr lang="en-US" dirty="0" smtClean="0"/>
+              <a:rPr lang="en-US" dirty="0"/>
               <a:t>Questions to be chosen randomly from a pool of fitness-related questions</a:t>
             </a:r>
-            <a:endParaRPr lang="en-US" dirty="0" smtClean="0"/>
           </a:p>
           <a:p>
             <a:pPr marL="285750" indent="-285750">
@@ -5043,7 +4998,7 @@
               <a:buChar char="•"/>
             </a:pPr>
             <a:r>
-              <a:rPr lang="en-US" dirty="0" smtClean="0"/>
+              <a:rPr lang="en-US" dirty="0"/>
               <a:t>Game modes:</a:t>
             </a:r>
           </a:p>
@@ -5053,10 +5008,9 @@
               <a:buChar char="•"/>
             </a:pPr>
             <a:r>
-              <a:rPr lang="en-US" dirty="0" smtClean="0"/>
+              <a:rPr lang="en-US" dirty="0"/>
               <a:t>Simple trivia:</a:t>
             </a:r>
-            <a:endParaRPr lang="en-US" dirty="0"/>
           </a:p>
           <a:p>
             <a:pPr marL="1200150" lvl="2" indent="-285750">
@@ -5064,16 +5018,8 @@
               <a:buChar char="•"/>
             </a:pPr>
             <a:r>
-              <a:rPr lang="en-US" dirty="0" smtClean="0"/>
-              <a:t>Solo </a:t>
-            </a:r>
-            <a:r>
-              <a:rPr lang="en-US" dirty="0"/>
-              <a:t>– </a:t>
-            </a:r>
-            <a:r>
-              <a:rPr lang="en-US" dirty="0" smtClean="0"/>
-              <a:t>Play by yourself, answering a handful of randomly-chosen questions</a:t>
+              <a:rPr lang="en-US" dirty="0"/>
+              <a:t>Solo – Play by yourself, answering a handful of randomly-chosen questions</a:t>
             </a:r>
           </a:p>
           <a:p>
@@ -5082,14 +5028,13 @@
               <a:buChar char="•"/>
             </a:pPr>
             <a:r>
-              <a:rPr lang="en-US" dirty="0" err="1" smtClean="0"/>
+              <a:rPr lang="en-US" dirty="0" err="1"/>
               <a:t>Kahoot</a:t>
             </a:r>
             <a:r>
-              <a:rPr lang="en-US" dirty="0" smtClean="0"/>
+              <a:rPr lang="en-US" dirty="0"/>
               <a:t>!-style trivia:</a:t>
             </a:r>
-            <a:endParaRPr lang="en-US" dirty="0"/>
           </a:p>
           <a:p>
             <a:pPr marL="1200150" lvl="2" indent="-285750">
@@ -5097,16 +5042,8 @@
               <a:buChar char="•"/>
             </a:pPr>
             <a:r>
-              <a:rPr lang="en-US" dirty="0" smtClean="0"/>
-              <a:t>Online </a:t>
-            </a:r>
-            <a:r>
-              <a:rPr lang="en-US" dirty="0"/>
-              <a:t>– </a:t>
-            </a:r>
-            <a:r>
-              <a:rPr lang="en-US" dirty="0" smtClean="0"/>
-              <a:t>Play for points competitively against other individuals</a:t>
+              <a:rPr lang="en-US" dirty="0"/>
+              <a:t>Online – Play for points competitively against other individuals</a:t>
             </a:r>
           </a:p>
           <a:p>
@@ -5122,7 +5059,7 @@
               <a:buChar char="•"/>
             </a:pPr>
             <a:r>
-              <a:rPr lang="en-US" dirty="0" smtClean="0"/>
+              <a:rPr lang="en-US" dirty="0"/>
               <a:t>Users can create and join “Teams”</a:t>
             </a:r>
           </a:p>
@@ -5132,7 +5069,7 @@
               <a:buChar char="•"/>
             </a:pPr>
             <a:r>
-              <a:rPr lang="en-US" dirty="0" smtClean="0"/>
+              <a:rPr lang="en-US" dirty="0"/>
               <a:t>User accounts store data for cumulative points earned and total match victories</a:t>
             </a:r>
           </a:p>
@@ -5142,7 +5079,7 @@
               <a:buChar char="•"/>
             </a:pPr>
             <a:r>
-              <a:rPr lang="en-US" dirty="0" smtClean="0"/>
+              <a:rPr lang="en-US" dirty="0"/>
               <a:t>Users in a Team contribute their earnings to their Team’s statistics as well</a:t>
             </a:r>
           </a:p>
@@ -5195,10 +5132,9 @@
           <a:p>
             <a:pPr algn="ctr"/>
             <a:r>
-              <a:rPr lang="en-US" dirty="0" smtClean="0"/>
+              <a:rPr lang="en-US" dirty="0"/>
               <a:t>Current Status</a:t>
             </a:r>
-            <a:endParaRPr lang="en-US" dirty="0"/>
           </a:p>
         </p:txBody>
       </p:sp>
@@ -5220,56 +5156,55 @@
           <a:lstStyle/>
           <a:p>
             <a:r>
-              <a:rPr lang="en-US" dirty="0" smtClean="0"/>
+              <a:rPr lang="en-US" dirty="0"/>
               <a:t>Clear goals</a:t>
             </a:r>
           </a:p>
           <a:p>
             <a:r>
-              <a:rPr lang="en-US" dirty="0" smtClean="0"/>
+              <a:rPr lang="en-US" dirty="0"/>
               <a:t>Our frontend is still in heavy development</a:t>
             </a:r>
           </a:p>
           <a:p>
             <a:pPr lvl="1"/>
             <a:r>
-              <a:rPr lang="en-US" dirty="0" smtClean="0"/>
+              <a:rPr lang="en-US" dirty="0"/>
               <a:t>Learning React</a:t>
             </a:r>
           </a:p>
           <a:p>
             <a:r>
-              <a:rPr lang="en-US" dirty="0" smtClean="0"/>
+              <a:rPr lang="en-US" dirty="0"/>
               <a:t>Backend has basic functionality</a:t>
             </a:r>
           </a:p>
           <a:p>
             <a:pPr lvl="1"/>
             <a:r>
-              <a:rPr lang="en-US" dirty="0" smtClean="0"/>
+              <a:rPr lang="en-US" dirty="0"/>
               <a:t>Database</a:t>
             </a:r>
           </a:p>
           <a:p>
             <a:pPr lvl="2"/>
             <a:r>
-              <a:rPr lang="en-US" dirty="0" smtClean="0"/>
+              <a:rPr lang="en-US" dirty="0"/>
               <a:t>Stores Users, Teams, Questions to choose from</a:t>
             </a:r>
           </a:p>
           <a:p>
             <a:pPr lvl="1"/>
             <a:r>
-              <a:rPr lang="en-US" dirty="0" smtClean="0"/>
+              <a:rPr lang="en-US" dirty="0"/>
               <a:t>Register/Log in</a:t>
             </a:r>
           </a:p>
           <a:p>
             <a:r>
-              <a:rPr lang="en-US" dirty="0" smtClean="0"/>
+              <a:rPr lang="en-US" dirty="0"/>
               <a:t>Still hooking everything together</a:t>
             </a:r>
-            <a:endParaRPr lang="en-US" dirty="0"/>
           </a:p>
         </p:txBody>
       </p:sp>
@@ -5320,10 +5255,9 @@
           <a:p>
             <a:pPr algn="ctr"/>
             <a:r>
-              <a:rPr lang="en-US" dirty="0" smtClean="0"/>
+              <a:rPr lang="en-US" dirty="0"/>
               <a:t>Planned Pages</a:t>
             </a:r>
-            <a:endParaRPr lang="en-US" dirty="0"/>
           </a:p>
         </p:txBody>
       </p:sp>
@@ -5346,72 +5280,67 @@
           <a:p>
             <a:r>
               <a:rPr lang="en-US" dirty="0"/>
-              <a:t>I</a:t>
-            </a:r>
-            <a:r>
-              <a:rPr lang="en-US" dirty="0" smtClean="0"/>
-              <a:t>ndex</a:t>
+              <a:t>Index</a:t>
             </a:r>
           </a:p>
           <a:p>
             <a:pPr lvl="1"/>
             <a:r>
-              <a:rPr lang="en-US" dirty="0" smtClean="0"/>
+              <a:rPr lang="en-US" dirty="0"/>
               <a:t>Homepage/Welcome screen</a:t>
             </a:r>
           </a:p>
           <a:p>
             <a:pPr lvl="1"/>
             <a:r>
-              <a:rPr lang="en-US" dirty="0" smtClean="0"/>
+              <a:rPr lang="en-US" dirty="0"/>
               <a:t>Big play button, either prompting the user to log in, or taking them directly to the Game page if already logged in</a:t>
             </a:r>
           </a:p>
           <a:p>
             <a:r>
-              <a:rPr lang="en-US" dirty="0" smtClean="0"/>
+              <a:rPr lang="en-US" dirty="0"/>
               <a:t>Game</a:t>
             </a:r>
           </a:p>
           <a:p>
             <a:r>
-              <a:rPr lang="en-US" dirty="0" smtClean="0"/>
+              <a:rPr lang="en-US" dirty="0"/>
               <a:t>User profile</a:t>
             </a:r>
           </a:p>
           <a:p>
             <a:pPr lvl="1"/>
             <a:r>
-              <a:rPr lang="en-US" dirty="0" smtClean="0"/>
+              <a:rPr lang="en-US" dirty="0"/>
               <a:t>See User’s statistics</a:t>
             </a:r>
           </a:p>
           <a:p>
             <a:r>
-              <a:rPr lang="en-US" dirty="0" smtClean="0"/>
+              <a:rPr lang="en-US" dirty="0"/>
               <a:t>Team page</a:t>
             </a:r>
           </a:p>
           <a:p>
             <a:pPr lvl="1"/>
             <a:r>
-              <a:rPr lang="en-US" dirty="0" smtClean="0"/>
+              <a:rPr lang="en-US" dirty="0"/>
               <a:t>See Team’s statistics</a:t>
             </a:r>
           </a:p>
           <a:p>
             <a:r>
-              <a:rPr lang="en-US" dirty="0" smtClean="0"/>
+              <a:rPr lang="en-US" dirty="0"/>
               <a:t>Leaderboards</a:t>
             </a:r>
           </a:p>
           <a:p>
             <a:pPr lvl="1"/>
             <a:r>
-              <a:rPr lang="en-US" dirty="0" smtClean="0"/>
+              <a:rPr lang="en-US" dirty="0"/>
               <a:t>See top-ranking Users and Teams</a:t>
             </a:r>
-            <a:endParaRPr lang="en-US" dirty="0"/>
           </a:p>
         </p:txBody>
       </p:sp>
@@ -5468,19 +5397,15 @@
           <a:p>
             <a:pPr algn="ctr"/>
             <a:r>
-              <a:rPr lang="en-US" dirty="0" smtClean="0"/>
+              <a:rPr lang="en-US" dirty="0"/>
               <a:t>Deliverables:</a:t>
             </a:r>
             <a:br>
-              <a:rPr lang="en-US" dirty="0" smtClean="0"/>
+              <a:rPr lang="en-US" dirty="0"/>
             </a:br>
             <a:r>
-              <a:rPr lang="en-US" dirty="0" smtClean="0"/>
-              <a:t>Website </a:t>
-            </a:r>
-            <a:r>
-              <a:rPr lang="en-US" dirty="0"/>
-              <a:t>game layout</a:t>
+              <a:rPr lang="en-US" dirty="0"/>
+              <a:t>Website game layout</a:t>
             </a:r>
           </a:p>
         </p:txBody>
@@ -5589,19 +5514,15 @@
           <a:p>
             <a:pPr algn="ctr"/>
             <a:r>
-              <a:rPr lang="en-US" dirty="0" smtClean="0"/>
+              <a:rPr lang="en-US" dirty="0"/>
               <a:t>Deliverables:</a:t>
             </a:r>
             <a:br>
-              <a:rPr lang="en-US" dirty="0" smtClean="0"/>
+              <a:rPr lang="en-US" dirty="0"/>
             </a:br>
             <a:r>
-              <a:rPr lang="en-US" dirty="0" smtClean="0"/>
-              <a:t>Process </a:t>
-            </a:r>
-            <a:r>
-              <a:rPr lang="en-US" dirty="0"/>
-              <a:t>model</a:t>
+              <a:rPr lang="en-US" dirty="0"/>
+              <a:t>Process model</a:t>
             </a:r>
           </a:p>
         </p:txBody>
@@ -5650,13 +5571,8 @@
             </a:pPr>
             <a:r>
               <a:rPr lang="en-US" dirty="0"/>
-              <a:t>Has many </a:t>
-            </a:r>
-            <a:r>
-              <a:rPr lang="en-US" dirty="0" smtClean="0"/>
-              <a:t>phases/parts</a:t>
-            </a:r>
-            <a:endParaRPr lang="en-US" dirty="0"/>
+              <a:t>Has many phases/parts</a:t>
+            </a:r>
           </a:p>
           <a:p>
             <a:pPr marL="742950" lvl="1" indent="-285750">
@@ -5667,7 +5583,6 @@
               <a:rPr lang="en-US" dirty="0"/>
               <a:t>Each part relies on the previous parts </a:t>
             </a:r>
-            <a:endParaRPr lang="en-US" dirty="0" smtClean="0"/>
           </a:p>
           <a:p>
             <a:pPr marL="742950" lvl="1" indent="-285750">

--- a/Fit or Fail Technical Status Presentation (NEW).pptx
+++ b/Fit or Fail Technical Status Presentation (NEW).pptx
@@ -8,7 +8,7 @@
     <p:sldId id="256" r:id="rId2"/>
     <p:sldId id="272" r:id="rId3"/>
     <p:sldId id="258" r:id="rId4"/>
-    <p:sldId id="259" r:id="rId5"/>
+    <p:sldId id="276" r:id="rId5"/>
     <p:sldId id="257" r:id="rId6"/>
     <p:sldId id="270" r:id="rId7"/>
     <p:sldId id="271" r:id="rId8"/>
@@ -18,7 +18,7 @@
     <p:sldId id="266" r:id="rId12"/>
     <p:sldId id="267" r:id="rId13"/>
     <p:sldId id="273" r:id="rId14"/>
-    <p:sldId id="274" r:id="rId15"/>
+    <p:sldId id="277" r:id="rId15"/>
   </p:sldIdLst>
   <p:sldSz cx="12192000" cy="6858000"/>
   <p:notesSz cx="6858000" cy="9144000"/>
@@ -3838,13 +3838,6 @@
             <a:pPr algn="ctr"/>
             <a:r>
               <a:rPr lang="en-US" dirty="0" smtClean="0"/>
-              <a:t>Deliverables:</a:t>
-            </a:r>
-            <a:br>
-              <a:rPr lang="en-US" dirty="0" smtClean="0"/>
-            </a:br>
-            <a:r>
-              <a:rPr lang="en-US" dirty="0" smtClean="0"/>
               <a:t>Work </a:t>
             </a:r>
             <a:r>
@@ -3856,28 +3849,28 @@
       </p:sp>
       <p:pic>
         <p:nvPicPr>
-          <p:cNvPr id="4" name="Picture 3">
-            <a:extLst>
-              <a:ext uri="{FF2B5EF4-FFF2-40B4-BE49-F238E27FC236}">
-                <a16:creationId xmlns:a16="http://schemas.microsoft.com/office/drawing/2014/main" id="{120B2870-4A2D-4727-AA23-FEE4E1E2BAD3}"/>
-              </a:ext>
-            </a:extLst>
-          </p:cNvPr>
+          <p:cNvPr id="5" name="Picture 4"/>
           <p:cNvPicPr>
             <a:picLocks noChangeAspect="1"/>
           </p:cNvPicPr>
           <p:nvPr/>
         </p:nvPicPr>
         <p:blipFill>
-          <a:blip r:embed="rId2"/>
+          <a:blip r:embed="rId2">
+            <a:extLst>
+              <a:ext uri="{28A0092B-C50C-407E-A947-70E740481C1C}">
+                <a14:useLocalDpi xmlns:a14="http://schemas.microsoft.com/office/drawing/2010/main" val="0"/>
+              </a:ext>
+            </a:extLst>
+          </a:blip>
           <a:stretch>
             <a:fillRect/>
           </a:stretch>
         </p:blipFill>
         <p:spPr>
           <a:xfrm>
-            <a:off x="712986" y="2555294"/>
-            <a:ext cx="10766028" cy="3693105"/>
+            <a:off x="1185916" y="1628636"/>
+            <a:ext cx="10134600" cy="4420410"/>
           </a:xfrm>
           <a:prstGeom prst="rect">
             <a:avLst/>
@@ -4022,7 +4015,18 @@
             <a:pPr algn="ctr"/>
             <a:r>
               <a:rPr lang="en-US" dirty="0" smtClean="0"/>
-              <a:t>Project Review: II</a:t>
+              <a:t>Project Review: </a:t>
+            </a:r>
+            <a:r>
+              <a:rPr lang="en-US" dirty="0" smtClean="0"/>
+              <a:t>II</a:t>
+            </a:r>
+            <a:br>
+              <a:rPr lang="en-US" dirty="0" smtClean="0"/>
+            </a:br>
+            <a:r>
+              <a:rPr lang="en-US" dirty="0" smtClean="0"/>
+              <a:t>(Project Review: III Coming Soon)</a:t>
             </a:r>
             <a:endParaRPr lang="en-US" dirty="0"/>
           </a:p>
@@ -4210,6 +4214,66 @@
           </a:p>
         </p:txBody>
       </p:sp>
+      <p:pic>
+        <p:nvPicPr>
+          <p:cNvPr id="5" name="Picture 4"/>
+          <p:cNvPicPr>
+            <a:picLocks noChangeAspect="1"/>
+          </p:cNvPicPr>
+          <p:nvPr/>
+        </p:nvPicPr>
+        <p:blipFill>
+          <a:blip r:embed="rId2" cstate="hqprint">
+            <a:extLst>
+              <a:ext uri="{28A0092B-C50C-407E-A947-70E740481C1C}">
+                <a14:useLocalDpi xmlns:a14="http://schemas.microsoft.com/office/drawing/2010/main" val="0"/>
+              </a:ext>
+            </a:extLst>
+          </a:blip>
+          <a:stretch>
+            <a:fillRect/>
+          </a:stretch>
+        </p:blipFill>
+        <p:spPr>
+          <a:xfrm>
+            <a:off x="8387861" y="1853754"/>
+            <a:ext cx="2859435" cy="2020667"/>
+          </a:xfrm>
+          <a:prstGeom prst="rect">
+            <a:avLst/>
+          </a:prstGeom>
+        </p:spPr>
+      </p:pic>
+      <p:pic>
+        <p:nvPicPr>
+          <p:cNvPr id="6" name="Picture 5"/>
+          <p:cNvPicPr>
+            <a:picLocks noChangeAspect="1"/>
+          </p:cNvPicPr>
+          <p:nvPr/>
+        </p:nvPicPr>
+        <p:blipFill>
+          <a:blip r:embed="rId3">
+            <a:extLst>
+              <a:ext uri="{28A0092B-C50C-407E-A947-70E740481C1C}">
+                <a14:useLocalDpi xmlns:a14="http://schemas.microsoft.com/office/drawing/2010/main" val="0"/>
+              </a:ext>
+            </a:extLst>
+          </a:blip>
+          <a:stretch>
+            <a:fillRect/>
+          </a:stretch>
+        </p:blipFill>
+        <p:spPr>
+          <a:xfrm>
+            <a:off x="6594758" y="3581399"/>
+            <a:ext cx="1793103" cy="2321169"/>
+          </a:xfrm>
+          <a:prstGeom prst="rect">
+            <a:avLst/>
+          </a:prstGeom>
+        </p:spPr>
+      </p:pic>
     </p:spTree>
     <p:extLst>
       <p:ext uri="{BB962C8B-B14F-4D97-AF65-F5344CB8AC3E}">
@@ -4257,111 +4321,163 @@
           <a:p>
             <a:pPr algn="ctr"/>
             <a:r>
-              <a:rPr lang="en-US" dirty="0" smtClean="0"/>
+              <a:rPr lang="en-US" dirty="0"/>
               <a:t>Our To-do List</a:t>
             </a:r>
+          </a:p>
+        </p:txBody>
+      </p:sp>
+      <p:sp>
+        <p:nvSpPr>
+          <p:cNvPr id="3" name="Content Placeholder 2"/>
+          <p:cNvSpPr>
+            <a:spLocks noGrp="1"/>
+          </p:cNvSpPr>
+          <p:nvPr>
+            <p:ph sz="half" idx="1"/>
+          </p:nvPr>
+        </p:nvSpPr>
+        <p:spPr/>
+        <p:txBody>
+          <a:bodyPr>
+            <a:normAutofit fontScale="62500" lnSpcReduction="20000"/>
+          </a:bodyPr>
+          <a:lstStyle/>
+          <a:p>
+            <a:r>
+              <a:rPr lang="en-US" dirty="0"/>
+              <a:t>Create working frontend prototype, working incrementally</a:t>
+            </a:r>
+          </a:p>
+          <a:p>
+            <a:pPr lvl="1"/>
+            <a:r>
+              <a:rPr lang="en-US" dirty="0"/>
+              <a:t>Login/Register page</a:t>
+            </a:r>
+          </a:p>
+          <a:p>
+            <a:pPr lvl="2"/>
+            <a:r>
+              <a:rPr lang="en-US" dirty="0"/>
+              <a:t>Connect to backend</a:t>
+            </a:r>
+          </a:p>
+          <a:p>
+            <a:pPr lvl="1"/>
+            <a:r>
+              <a:rPr lang="en-US" dirty="0"/>
+              <a:t>Game</a:t>
+            </a:r>
+          </a:p>
+          <a:p>
+            <a:pPr lvl="2"/>
+            <a:r>
+              <a:rPr lang="en-US" dirty="0"/>
+              <a:t>Local</a:t>
+            </a:r>
+          </a:p>
+          <a:p>
+            <a:pPr lvl="2"/>
+            <a:r>
+              <a:rPr lang="en-US" dirty="0"/>
+              <a:t>Online</a:t>
+            </a:r>
+          </a:p>
+          <a:p>
+            <a:pPr lvl="1"/>
+            <a:r>
+              <a:rPr lang="en-US" dirty="0"/>
+              <a:t>Advertising</a:t>
+            </a:r>
+          </a:p>
+          <a:p>
+            <a:pPr lvl="1"/>
+            <a:r>
+              <a:rPr lang="en-US" dirty="0"/>
+              <a:t>User pages</a:t>
+            </a:r>
+          </a:p>
+          <a:p>
+            <a:pPr lvl="1"/>
+            <a:r>
+              <a:rPr lang="en-US" dirty="0"/>
+              <a:t>Team pages</a:t>
+            </a:r>
+          </a:p>
+          <a:p>
+            <a:pPr lvl="1"/>
+            <a:r>
+              <a:rPr lang="en-US" dirty="0"/>
+              <a:t>Public leaderboards</a:t>
+            </a:r>
+          </a:p>
+          <a:p>
+            <a:r>
+              <a:rPr lang="en-US" dirty="0" smtClean="0"/>
+              <a:t>Expand </a:t>
+            </a:r>
+            <a:r>
+              <a:rPr lang="en-US" dirty="0"/>
+              <a:t>upon backend functionality</a:t>
+            </a:r>
+          </a:p>
+          <a:p>
+            <a:pPr lvl="1"/>
+            <a:r>
+              <a:rPr lang="en-US" dirty="0"/>
+              <a:t>Donations</a:t>
+            </a:r>
+          </a:p>
+          <a:p>
+            <a:pPr lvl="1"/>
+            <a:r>
+              <a:rPr lang="en-US" dirty="0"/>
+              <a:t>Monitoring</a:t>
+            </a:r>
+          </a:p>
+          <a:p>
+            <a:pPr lvl="1"/>
+            <a:r>
+              <a:rPr lang="en-US" dirty="0"/>
+              <a:t>Everything else as </a:t>
+            </a:r>
+            <a:r>
+              <a:rPr lang="en-US" dirty="0" smtClean="0"/>
+              <a:t>needed</a:t>
+            </a:r>
             <a:endParaRPr lang="en-US" dirty="0"/>
           </a:p>
-        </p:txBody>
-      </p:sp>
-      <p:sp>
-        <p:nvSpPr>
-          <p:cNvPr id="3" name="Content Placeholder 2"/>
-          <p:cNvSpPr>
-            <a:spLocks noGrp="1"/>
-          </p:cNvSpPr>
-          <p:nvPr>
-            <p:ph idx="1"/>
+          <a:p>
+            <a:endParaRPr lang="en-US" dirty="0"/>
+          </a:p>
+        </p:txBody>
+      </p:sp>
+      <p:sp>
+        <p:nvSpPr>
+          <p:cNvPr id="4" name="Content Placeholder 3"/>
+          <p:cNvSpPr>
+            <a:spLocks noGrp="1"/>
+          </p:cNvSpPr>
+          <p:nvPr>
+            <p:ph sz="half" idx="2"/>
           </p:nvPr>
         </p:nvSpPr>
         <p:spPr/>
         <p:txBody>
           <a:bodyPr>
-            <a:normAutofit fontScale="70000" lnSpcReduction="20000"/>
+            <a:normAutofit fontScale="62500" lnSpcReduction="20000"/>
           </a:bodyPr>
           <a:lstStyle/>
           <a:p>
             <a:r>
-              <a:rPr lang="en-US" dirty="0" smtClean="0"/>
-              <a:t>Create working frontend prototype, working incrementally</a:t>
-            </a:r>
-          </a:p>
-          <a:p>
-            <a:pPr lvl="1"/>
-            <a:r>
-              <a:rPr lang="en-US" dirty="0" smtClean="0"/>
-              <a:t>Login/Register page</a:t>
-            </a:r>
-          </a:p>
-          <a:p>
-            <a:pPr lvl="2"/>
-            <a:r>
-              <a:rPr lang="en-US" dirty="0" smtClean="0"/>
-              <a:t>Connect to backend</a:t>
-            </a:r>
-          </a:p>
-          <a:p>
-            <a:pPr lvl="1"/>
-            <a:r>
-              <a:rPr lang="en-US" dirty="0" smtClean="0"/>
-              <a:t>Game</a:t>
-            </a:r>
-          </a:p>
-          <a:p>
-            <a:pPr lvl="2"/>
-            <a:r>
-              <a:rPr lang="en-US" dirty="0" smtClean="0"/>
-              <a:t>Local</a:t>
-            </a:r>
-          </a:p>
-          <a:p>
-            <a:pPr lvl="2"/>
-            <a:r>
-              <a:rPr lang="en-US" dirty="0" smtClean="0"/>
-              <a:t>Online</a:t>
-            </a:r>
-          </a:p>
-          <a:p>
-            <a:pPr lvl="1"/>
-            <a:r>
-              <a:rPr lang="en-US" dirty="0" smtClean="0"/>
-              <a:t>User pages</a:t>
-            </a:r>
-          </a:p>
-          <a:p>
-            <a:pPr lvl="1"/>
-            <a:r>
-              <a:rPr lang="en-US" dirty="0" smtClean="0"/>
-              <a:t>Team pages</a:t>
-            </a:r>
-          </a:p>
-          <a:p>
-            <a:pPr lvl="1"/>
-            <a:r>
-              <a:rPr lang="en-US" dirty="0" smtClean="0"/>
-              <a:t>Public leaderboards</a:t>
-            </a:r>
-          </a:p>
-          <a:p>
-            <a:r>
-              <a:rPr lang="en-US" dirty="0" smtClean="0"/>
-              <a:t>Acquire hosting, make </a:t>
-            </a:r>
-            <a:r>
-              <a:rPr lang="en-US" smtClean="0"/>
-              <a:t>the project live</a:t>
-            </a:r>
-            <a:endParaRPr lang="en-US" dirty="0" smtClean="0"/>
-          </a:p>
-          <a:p>
-            <a:r>
-              <a:rPr lang="en-US" dirty="0" smtClean="0"/>
-              <a:t>Expand upon backend functionality as needed</a:t>
-            </a:r>
-          </a:p>
-          <a:p>
-            <a:r>
-              <a:rPr lang="en-US" dirty="0" smtClean="0"/>
+              <a:rPr lang="en-US" dirty="0"/>
+              <a:t>Acquire hosting, have it be live</a:t>
+            </a:r>
+          </a:p>
+          <a:p>
+            <a:r>
+              <a:rPr lang="en-US" dirty="0"/>
               <a:t>Expand upon testing skeleton</a:t>
             </a:r>
           </a:p>
@@ -4373,7 +4489,7 @@
     </p:spTree>
     <p:extLst>
       <p:ext uri="{BB962C8B-B14F-4D97-AF65-F5344CB8AC3E}">
-        <p14:creationId xmlns:p14="http://schemas.microsoft.com/office/powerpoint/2010/main" val="39022633"/>
+        <p14:creationId xmlns:p14="http://schemas.microsoft.com/office/powerpoint/2010/main" val="2579503228"/>
       </p:ext>
     </p:extLst>
   </p:cSld>
@@ -4480,7 +4596,7 @@
       </p:sp>
       <p:pic>
         <p:nvPicPr>
-          <p:cNvPr id="4" name="Picture 3"/>
+          <p:cNvPr id="5" name="Picture 4"/>
           <p:cNvPicPr>
             <a:picLocks noChangeAspect="1"/>
           </p:cNvPicPr>
@@ -4720,13 +4836,7 @@
       </p:grpSpPr>
       <p:sp>
         <p:nvSpPr>
-          <p:cNvPr id="2" name="Title 1">
-            <a:extLst>
-              <a:ext uri="{FF2B5EF4-FFF2-40B4-BE49-F238E27FC236}">
-                <a16:creationId xmlns:a16="http://schemas.microsoft.com/office/drawing/2014/main" id="{2CA9E641-81A2-44B5-B4CB-6723E8C21FE0}"/>
-              </a:ext>
-            </a:extLst>
-          </p:cNvPr>
+          <p:cNvPr id="2" name="Title 1"/>
           <p:cNvSpPr>
             <a:spLocks noGrp="1"/>
           </p:cNvSpPr>
@@ -4741,188 +4851,198 @@
           <a:p>
             <a:pPr algn="ctr"/>
             <a:r>
-              <a:rPr lang="en-US" dirty="0" smtClean="0"/>
-              <a:t>Technologies </a:t>
-            </a:r>
-            <a:r>
-              <a:rPr lang="en-US" dirty="0"/>
-              <a:t>Used</a:t>
-            </a:r>
-          </a:p>
-        </p:txBody>
-      </p:sp>
-      <p:sp>
-        <p:nvSpPr>
-          <p:cNvPr id="3" name="TextBox 2">
-            <a:extLst>
-              <a:ext uri="{FF2B5EF4-FFF2-40B4-BE49-F238E27FC236}">
-                <a16:creationId xmlns:a16="http://schemas.microsoft.com/office/drawing/2014/main" id="{39819AF1-0C22-47B7-86F3-30C130EF3798}"/>
-              </a:ext>
-            </a:extLst>
-          </p:cNvPr>
-          <p:cNvSpPr txBox="1"/>
-          <p:nvPr/>
-        </p:nvSpPr>
-        <p:spPr>
-          <a:xfrm>
-            <a:off x="1085850" y="1943100"/>
-            <a:ext cx="9972675" cy="3416320"/>
-          </a:xfrm>
-          <a:prstGeom prst="rect">
-            <a:avLst/>
-          </a:prstGeom>
-          <a:noFill/>
-        </p:spPr>
-        <p:txBody>
-          <a:bodyPr wrap="square" rtlCol="0">
-            <a:spAutoFit/>
+              <a:rPr lang="en-US" dirty="0"/>
+              <a:t>Technologies Used</a:t>
+            </a:r>
+          </a:p>
+        </p:txBody>
+      </p:sp>
+      <p:sp>
+        <p:nvSpPr>
+          <p:cNvPr id="3" name="Content Placeholder 2"/>
+          <p:cNvSpPr>
+            <a:spLocks noGrp="1"/>
+          </p:cNvSpPr>
+          <p:nvPr>
+            <p:ph sz="half" idx="1"/>
+          </p:nvPr>
+        </p:nvSpPr>
+        <p:spPr/>
+        <p:txBody>
+          <a:bodyPr>
+            <a:normAutofit fontScale="77500" lnSpcReduction="20000"/>
           </a:bodyPr>
           <a:lstStyle/>
           <a:p>
-            <a:pPr marL="285750" indent="-285750">
-              <a:buFont typeface="Arial" panose="020B0604020202020204" pitchFamily="34" charset="0"/>
-              <a:buChar char="•"/>
-            </a:pPr>
-            <a:r>
-              <a:rPr lang="en-US" dirty="0" smtClean="0"/>
+            <a:pPr marL="285750" indent="-285750"/>
+            <a:r>
+              <a:rPr lang="en-US" dirty="0"/>
               <a:t>Front end:</a:t>
             </a:r>
+          </a:p>
+          <a:p>
+            <a:pPr marL="742950" lvl="1" indent="-285750"/>
+            <a:r>
+              <a:rPr lang="en-US" dirty="0"/>
+              <a:t>HTML/CSS</a:t>
+            </a:r>
+          </a:p>
+          <a:p>
+            <a:pPr marL="742950" lvl="1" indent="-285750"/>
+            <a:r>
+              <a:rPr lang="en-US" dirty="0"/>
+              <a:t>JavaScript</a:t>
+            </a:r>
+          </a:p>
+          <a:p>
+            <a:pPr marL="1200150" lvl="2" indent="-285750"/>
+            <a:r>
+              <a:rPr lang="en-US" dirty="0"/>
+              <a:t>React</a:t>
+            </a:r>
+          </a:p>
+          <a:p>
+            <a:pPr marL="1200150" lvl="2" indent="-285750"/>
+            <a:r>
+              <a:rPr lang="en-US" dirty="0"/>
+              <a:t>Bootstrap (possibly)</a:t>
+            </a:r>
+          </a:p>
+          <a:p>
+            <a:pPr marL="285750" indent="-285750"/>
+            <a:r>
+              <a:rPr lang="en-US" dirty="0"/>
+              <a:t>Back end</a:t>
+            </a:r>
+          </a:p>
+          <a:p>
+            <a:pPr marL="742950" lvl="1" indent="-285750"/>
+            <a:r>
+              <a:rPr lang="en-US" dirty="0"/>
+              <a:t>MongoDB</a:t>
+            </a:r>
+          </a:p>
+          <a:p>
+            <a:pPr marL="742950" lvl="1" indent="-285750"/>
+            <a:r>
+              <a:rPr lang="en-US" dirty="0"/>
+              <a:t>JavaScript</a:t>
+            </a:r>
+          </a:p>
+          <a:p>
+            <a:pPr marL="1200150" lvl="2" indent="-285750"/>
+            <a:r>
+              <a:rPr lang="en-US" dirty="0"/>
+              <a:t>Express.js</a:t>
+            </a:r>
+          </a:p>
+          <a:p>
+            <a:pPr marL="1200150" lvl="2" indent="-285750"/>
+            <a:r>
+              <a:rPr lang="en-US" dirty="0"/>
+              <a:t>JSON Web Tokens</a:t>
+            </a:r>
+          </a:p>
+          <a:p>
+            <a:pPr marL="285750" indent="-285750"/>
+            <a:r>
+              <a:rPr lang="en-US" dirty="0"/>
+              <a:t>Domain/Hosting provider</a:t>
+            </a:r>
+          </a:p>
+          <a:p>
+            <a:pPr marL="742950" lvl="1" indent="-285750"/>
+            <a:r>
+              <a:rPr lang="en-US" dirty="0"/>
+              <a:t>name.com (GitHub student developer pack)</a:t>
+            </a:r>
+          </a:p>
+        </p:txBody>
+      </p:sp>
+      <p:sp>
+        <p:nvSpPr>
+          <p:cNvPr id="4" name="Content Placeholder 3"/>
+          <p:cNvSpPr>
+            <a:spLocks noGrp="1"/>
+          </p:cNvSpPr>
+          <p:nvPr>
+            <p:ph sz="half" idx="2"/>
+          </p:nvPr>
+        </p:nvSpPr>
+        <p:spPr/>
+        <p:txBody>
+          <a:bodyPr>
+            <a:normAutofit fontScale="77500" lnSpcReduction="20000"/>
+          </a:bodyPr>
+          <a:lstStyle/>
+          <a:p>
+            <a:r>
+              <a:rPr lang="en-US" dirty="0" smtClean="0"/>
+              <a:t>Collaboration:</a:t>
+            </a:r>
+          </a:p>
+          <a:p>
+            <a:pPr lvl="1"/>
+            <a:r>
+              <a:rPr lang="en-US" dirty="0" smtClean="0"/>
+              <a:t>GitHub/</a:t>
+            </a:r>
+            <a:r>
+              <a:rPr lang="en-US" dirty="0" err="1" smtClean="0"/>
+              <a:t>Git</a:t>
+            </a:r>
+            <a:endParaRPr lang="en-US" dirty="0" smtClean="0"/>
+          </a:p>
+          <a:p>
+            <a:pPr lvl="1"/>
+            <a:r>
+              <a:rPr lang="en-US" dirty="0" err="1" smtClean="0"/>
+              <a:t>GroupMe</a:t>
+            </a:r>
+            <a:endParaRPr lang="en-US" dirty="0" smtClean="0"/>
+          </a:p>
+          <a:p>
+            <a:pPr lvl="1"/>
+            <a:r>
+              <a:rPr lang="en-US" dirty="0" smtClean="0"/>
+              <a:t>Google Hangouts</a:t>
+            </a:r>
+          </a:p>
+          <a:p>
+            <a:r>
+              <a:rPr lang="en-US" dirty="0" smtClean="0"/>
+              <a:t>Miscellaneous</a:t>
+            </a:r>
+          </a:p>
+          <a:p>
+            <a:pPr lvl="1"/>
+            <a:r>
+              <a:rPr lang="en-US" dirty="0" smtClean="0"/>
+              <a:t>Various </a:t>
+            </a:r>
+            <a:r>
+              <a:rPr lang="en-US" dirty="0" err="1" smtClean="0"/>
+              <a:t>npm</a:t>
+            </a:r>
+            <a:r>
+              <a:rPr lang="en-US" dirty="0" smtClean="0"/>
+              <a:t> packages</a:t>
+            </a:r>
+          </a:p>
+          <a:p>
+            <a:pPr lvl="1"/>
+            <a:r>
+              <a:rPr lang="en-US" dirty="0" smtClean="0"/>
+              <a:t>Postman to make HTML requests for backend testing</a:t>
+            </a:r>
             <a:endParaRPr lang="en-US" dirty="0"/>
-          </a:p>
-          <a:p>
-            <a:pPr marL="742950" lvl="1" indent="-285750">
-              <a:buFont typeface="Arial" panose="020B0604020202020204" pitchFamily="34" charset="0"/>
-              <a:buChar char="•"/>
-            </a:pPr>
-            <a:r>
-              <a:rPr lang="en-US" dirty="0" smtClean="0"/>
-              <a:t>HTML/CSS</a:t>
-            </a:r>
-          </a:p>
-          <a:p>
-            <a:pPr marL="742950" lvl="1" indent="-285750">
-              <a:buFont typeface="Arial" panose="020B0604020202020204" pitchFamily="34" charset="0"/>
-              <a:buChar char="•"/>
-            </a:pPr>
-            <a:r>
-              <a:rPr lang="en-US" dirty="0" smtClean="0"/>
-              <a:t>JavaScript</a:t>
-            </a:r>
-          </a:p>
-          <a:p>
-            <a:pPr marL="1200150" lvl="2" indent="-285750">
-              <a:buFont typeface="Arial" panose="020B0604020202020204" pitchFamily="34" charset="0"/>
-              <a:buChar char="•"/>
-            </a:pPr>
-            <a:r>
-              <a:rPr lang="en-US" dirty="0" smtClean="0"/>
-              <a:t>React</a:t>
-            </a:r>
-          </a:p>
-          <a:p>
-            <a:pPr marL="1200150" lvl="2" indent="-285750">
-              <a:buFont typeface="Arial" panose="020B0604020202020204" pitchFamily="34" charset="0"/>
-              <a:buChar char="•"/>
-            </a:pPr>
-            <a:r>
-              <a:rPr lang="en-US" dirty="0" smtClean="0"/>
-              <a:t>Bootstrap (possibly)</a:t>
-            </a:r>
-            <a:endParaRPr lang="en-US" dirty="0"/>
-          </a:p>
-          <a:p>
-            <a:pPr marL="285750" indent="-285750">
-              <a:buFont typeface="Arial" panose="020B0604020202020204" pitchFamily="34" charset="0"/>
-              <a:buChar char="•"/>
-            </a:pPr>
-            <a:r>
-              <a:rPr lang="en-US" dirty="0" smtClean="0"/>
-              <a:t>Back </a:t>
-            </a:r>
-            <a:r>
-              <a:rPr lang="en-US" dirty="0" smtClean="0"/>
-              <a:t>end</a:t>
-            </a:r>
-            <a:endParaRPr lang="en-US" dirty="0"/>
-          </a:p>
-          <a:p>
-            <a:pPr marL="742950" lvl="1" indent="-285750">
-              <a:buFont typeface="Arial" panose="020B0604020202020204" pitchFamily="34" charset="0"/>
-              <a:buChar char="•"/>
-            </a:pPr>
-            <a:r>
-              <a:rPr lang="en-US" dirty="0" smtClean="0"/>
-              <a:t>MongoDB</a:t>
-            </a:r>
-          </a:p>
-          <a:p>
-            <a:pPr marL="742950" lvl="1" indent="-285750">
-              <a:buFont typeface="Arial" panose="020B0604020202020204" pitchFamily="34" charset="0"/>
-              <a:buChar char="•"/>
-            </a:pPr>
-            <a:r>
-              <a:rPr lang="en-US" dirty="0" smtClean="0"/>
-              <a:t>JavaScript</a:t>
-            </a:r>
-            <a:endParaRPr lang="en-US" dirty="0" smtClean="0"/>
-          </a:p>
-          <a:p>
-            <a:pPr marL="1200150" lvl="2" indent="-285750">
-              <a:buFont typeface="Arial" panose="020B0604020202020204" pitchFamily="34" charset="0"/>
-              <a:buChar char="•"/>
-            </a:pPr>
-            <a:r>
-              <a:rPr lang="en-US" dirty="0" smtClean="0"/>
-              <a:t>Express.js</a:t>
-            </a:r>
-          </a:p>
-          <a:p>
-            <a:pPr marL="1200150" lvl="2" indent="-285750">
-              <a:buFont typeface="Arial" panose="020B0604020202020204" pitchFamily="34" charset="0"/>
-              <a:buChar char="•"/>
-            </a:pPr>
-            <a:r>
-              <a:rPr lang="en-US" dirty="0" smtClean="0"/>
-              <a:t>JSON </a:t>
-            </a:r>
-            <a:r>
-              <a:rPr lang="en-US" dirty="0" smtClean="0"/>
-              <a:t>Web </a:t>
-            </a:r>
-            <a:r>
-              <a:rPr lang="en-US" dirty="0" smtClean="0"/>
-              <a:t>Tokens</a:t>
-            </a:r>
-            <a:endParaRPr lang="en-US" dirty="0"/>
-          </a:p>
-          <a:p>
-            <a:pPr marL="285750" indent="-285750">
-              <a:buFont typeface="Arial" panose="020B0604020202020204" pitchFamily="34" charset="0"/>
-              <a:buChar char="•"/>
-            </a:pPr>
-            <a:r>
-              <a:rPr lang="en-US" dirty="0" smtClean="0"/>
-              <a:t>Domain/Hosting provider</a:t>
-            </a:r>
-            <a:endParaRPr lang="en-US" dirty="0"/>
-          </a:p>
-          <a:p>
-            <a:pPr marL="742950" lvl="1" indent="-285750">
-              <a:buFont typeface="Arial" panose="020B0604020202020204" pitchFamily="34" charset="0"/>
-              <a:buChar char="•"/>
-            </a:pPr>
-            <a:r>
-              <a:rPr lang="en-US" dirty="0" smtClean="0"/>
-              <a:t>name.com (GitHub student developer pack)</a:t>
-            </a:r>
-            <a:endParaRPr lang="en-US" dirty="0" smtClean="0"/>
           </a:p>
         </p:txBody>
       </p:sp>
     </p:spTree>
     <p:extLst>
       <p:ext uri="{BB962C8B-B14F-4D97-AF65-F5344CB8AC3E}">
-        <p14:creationId xmlns:p14="http://schemas.microsoft.com/office/powerpoint/2010/main" val="940705121"/>
+        <p14:creationId xmlns:p14="http://schemas.microsoft.com/office/powerpoint/2010/main" val="2610944261"/>
       </p:ext>
     </p:extLst>
   </p:cSld>
@@ -5148,6 +5268,36 @@
           </a:p>
         </p:txBody>
       </p:sp>
+      <p:pic>
+        <p:nvPicPr>
+          <p:cNvPr id="4" name="Picture 3"/>
+          <p:cNvPicPr>
+            <a:picLocks noChangeAspect="1"/>
+          </p:cNvPicPr>
+          <p:nvPr/>
+        </p:nvPicPr>
+        <p:blipFill>
+          <a:blip r:embed="rId2" cstate="hqprint">
+            <a:extLst>
+              <a:ext uri="{28A0092B-C50C-407E-A947-70E740481C1C}">
+                <a14:useLocalDpi xmlns:a14="http://schemas.microsoft.com/office/drawing/2010/main" val="0"/>
+              </a:ext>
+            </a:extLst>
+          </a:blip>
+          <a:stretch>
+            <a:fillRect/>
+          </a:stretch>
+        </p:blipFill>
+        <p:spPr>
+          <a:xfrm>
+            <a:off x="9056078" y="3999554"/>
+            <a:ext cx="2975856" cy="1674415"/>
+          </a:xfrm>
+          <a:prstGeom prst="rect">
+            <a:avLst/>
+          </a:prstGeom>
+        </p:spPr>
+      </p:pic>
     </p:spTree>
     <p:extLst>
       <p:ext uri="{BB962C8B-B14F-4D97-AF65-F5344CB8AC3E}">
@@ -5467,13 +5617,6 @@
           <a:lstStyle/>
           <a:p>
             <a:pPr algn="ctr"/>
-            <a:r>
-              <a:rPr lang="en-US" dirty="0" smtClean="0"/>
-              <a:t>Deliverables:</a:t>
-            </a:r>
-            <a:br>
-              <a:rPr lang="en-US" dirty="0" smtClean="0"/>
-            </a:br>
             <a:r>
               <a:rPr lang="en-US" dirty="0" smtClean="0"/>
               <a:t>Website </a:t>
@@ -5588,13 +5731,6 @@
           <a:lstStyle/>
           <a:p>
             <a:pPr algn="ctr"/>
-            <a:r>
-              <a:rPr lang="en-US" dirty="0" smtClean="0"/>
-              <a:t>Deliverables:</a:t>
-            </a:r>
-            <a:br>
-              <a:rPr lang="en-US" dirty="0" smtClean="0"/>
-            </a:br>
             <a:r>
               <a:rPr lang="en-US" dirty="0" smtClean="0"/>
               <a:t>Process </a:t>

--- a/Fit or Fail Technical Status Presentation (NEW).pptx
+++ b/Fit or Fail Technical Status Presentation (NEW).pptx
@@ -8,7 +8,7 @@
     <p:sldId id="256" r:id="rId2"/>
     <p:sldId id="272" r:id="rId3"/>
     <p:sldId id="258" r:id="rId4"/>
-    <p:sldId id="276" r:id="rId5"/>
+    <p:sldId id="259" r:id="rId5"/>
     <p:sldId id="257" r:id="rId6"/>
     <p:sldId id="270" r:id="rId7"/>
     <p:sldId id="271" r:id="rId8"/>
@@ -18,7 +18,7 @@
     <p:sldId id="266" r:id="rId12"/>
     <p:sldId id="267" r:id="rId13"/>
     <p:sldId id="273" r:id="rId14"/>
-    <p:sldId id="277" r:id="rId15"/>
+    <p:sldId id="274" r:id="rId15"/>
   </p:sldIdLst>
   <p:sldSz cx="12192000" cy="6858000"/>
   <p:notesSz cx="6858000" cy="9144000"/>
@@ -169,7 +169,7 @@
           </a:lstStyle>
           <a:p>
             <a:r>
-              <a:rPr lang="en-US" smtClean="0"/>
+              <a:rPr lang="en-US"/>
               <a:t>Click to edit Master title style</a:t>
             </a:r>
             <a:endParaRPr lang="en-US" dirty="0"/>
@@ -240,7 +240,7 @@
           </a:lstStyle>
           <a:p>
             <a:r>
-              <a:rPr lang="en-US" smtClean="0"/>
+              <a:rPr lang="en-US"/>
               <a:t>Click to edit Master subtitle style</a:t>
             </a:r>
             <a:endParaRPr lang="en-US" dirty="0"/>
@@ -399,7 +399,7 @@
           <a:lstStyle/>
           <a:p>
             <a:r>
-              <a:rPr lang="en-US" smtClean="0"/>
+              <a:rPr lang="en-US"/>
               <a:t>Click to edit Master title style</a:t>
             </a:r>
             <a:endParaRPr lang="en-US" dirty="0"/>
@@ -423,35 +423,35 @@
           <a:p>
             <a:pPr lvl="0"/>
             <a:r>
-              <a:rPr lang="en-US" smtClean="0"/>
+              <a:rPr lang="en-US"/>
               <a:t>Edit Master text styles</a:t>
             </a:r>
           </a:p>
           <a:p>
             <a:pPr lvl="1"/>
             <a:r>
-              <a:rPr lang="en-US" smtClean="0"/>
+              <a:rPr lang="en-US"/>
               <a:t>Second level</a:t>
             </a:r>
           </a:p>
           <a:p>
             <a:pPr lvl="2"/>
             <a:r>
-              <a:rPr lang="en-US" smtClean="0"/>
+              <a:rPr lang="en-US"/>
               <a:t>Third level</a:t>
             </a:r>
           </a:p>
           <a:p>
             <a:pPr lvl="3"/>
             <a:r>
-              <a:rPr lang="en-US" smtClean="0"/>
+              <a:rPr lang="en-US"/>
               <a:t>Fourth level</a:t>
             </a:r>
           </a:p>
           <a:p>
             <a:pPr lvl="4"/>
             <a:r>
-              <a:rPr lang="en-US" smtClean="0"/>
+              <a:rPr lang="en-US"/>
               <a:t>Fifth level</a:t>
             </a:r>
             <a:endParaRPr lang="en-US" dirty="0"/>
@@ -609,7 +609,7 @@
           </a:lstStyle>
           <a:p>
             <a:r>
-              <a:rPr lang="en-US" smtClean="0"/>
+              <a:rPr lang="en-US"/>
               <a:t>Click to edit Master title style</a:t>
             </a:r>
             <a:endParaRPr lang="en-US" dirty="0"/>
@@ -638,35 +638,35 @@
           <a:p>
             <a:pPr lvl="0"/>
             <a:r>
-              <a:rPr lang="en-US" smtClean="0"/>
+              <a:rPr lang="en-US"/>
               <a:t>Edit Master text styles</a:t>
             </a:r>
           </a:p>
           <a:p>
             <a:pPr lvl="1"/>
             <a:r>
-              <a:rPr lang="en-US" smtClean="0"/>
+              <a:rPr lang="en-US"/>
               <a:t>Second level</a:t>
             </a:r>
           </a:p>
           <a:p>
             <a:pPr lvl="2"/>
             <a:r>
-              <a:rPr lang="en-US" smtClean="0"/>
+              <a:rPr lang="en-US"/>
               <a:t>Third level</a:t>
             </a:r>
           </a:p>
           <a:p>
             <a:pPr lvl="3"/>
             <a:r>
-              <a:rPr lang="en-US" smtClean="0"/>
+              <a:rPr lang="en-US"/>
               <a:t>Fourth level</a:t>
             </a:r>
           </a:p>
           <a:p>
             <a:pPr lvl="4"/>
             <a:r>
-              <a:rPr lang="en-US" smtClean="0"/>
+              <a:rPr lang="en-US"/>
               <a:t>Fifth level</a:t>
             </a:r>
             <a:endParaRPr lang="en-US" dirty="0"/>
@@ -815,7 +815,7 @@
           <a:lstStyle/>
           <a:p>
             <a:r>
-              <a:rPr lang="en-US" smtClean="0"/>
+              <a:rPr lang="en-US"/>
               <a:t>Click to edit Master title style</a:t>
             </a:r>
             <a:endParaRPr lang="en-US" dirty="0"/>
@@ -839,35 +839,35 @@
           <a:p>
             <a:pPr lvl="0"/>
             <a:r>
-              <a:rPr lang="en-US" smtClean="0"/>
+              <a:rPr lang="en-US"/>
               <a:t>Edit Master text styles</a:t>
             </a:r>
           </a:p>
           <a:p>
             <a:pPr lvl="1"/>
             <a:r>
-              <a:rPr lang="en-US" smtClean="0"/>
+              <a:rPr lang="en-US"/>
               <a:t>Second level</a:t>
             </a:r>
           </a:p>
           <a:p>
             <a:pPr lvl="2"/>
             <a:r>
-              <a:rPr lang="en-US" smtClean="0"/>
+              <a:rPr lang="en-US"/>
               <a:t>Third level</a:t>
             </a:r>
           </a:p>
           <a:p>
             <a:pPr lvl="3"/>
             <a:r>
-              <a:rPr lang="en-US" smtClean="0"/>
+              <a:rPr lang="en-US"/>
               <a:t>Fourth level</a:t>
             </a:r>
           </a:p>
           <a:p>
             <a:pPr lvl="4"/>
             <a:r>
-              <a:rPr lang="en-US" smtClean="0"/>
+              <a:rPr lang="en-US"/>
               <a:t>Fifth level</a:t>
             </a:r>
             <a:endParaRPr lang="en-US" dirty="0"/>
@@ -1027,7 +1027,7 @@
           </a:lstStyle>
           <a:p>
             <a:r>
-              <a:rPr lang="en-US" smtClean="0"/>
+              <a:rPr lang="en-US"/>
               <a:t>Click to edit Master title style</a:t>
             </a:r>
             <a:endParaRPr lang="en-US" dirty="0"/>
@@ -1147,7 +1147,7 @@
           <a:p>
             <a:pPr lvl="0"/>
             <a:r>
-              <a:rPr lang="en-US" smtClean="0"/>
+              <a:rPr lang="en-US"/>
               <a:t>Edit Master text styles</a:t>
             </a:r>
           </a:p>
@@ -1300,7 +1300,7 @@
           <a:lstStyle/>
           <a:p>
             <a:r>
-              <a:rPr lang="en-US" smtClean="0"/>
+              <a:rPr lang="en-US"/>
               <a:t>Click to edit Master title style</a:t>
             </a:r>
             <a:endParaRPr lang="en-US" dirty="0"/>
@@ -1329,35 +1329,35 @@
           <a:p>
             <a:pPr lvl="0"/>
             <a:r>
-              <a:rPr lang="en-US" smtClean="0"/>
+              <a:rPr lang="en-US"/>
               <a:t>Edit Master text styles</a:t>
             </a:r>
           </a:p>
           <a:p>
             <a:pPr lvl="1"/>
             <a:r>
-              <a:rPr lang="en-US" smtClean="0"/>
+              <a:rPr lang="en-US"/>
               <a:t>Second level</a:t>
             </a:r>
           </a:p>
           <a:p>
             <a:pPr lvl="2"/>
             <a:r>
-              <a:rPr lang="en-US" smtClean="0"/>
+              <a:rPr lang="en-US"/>
               <a:t>Third level</a:t>
             </a:r>
           </a:p>
           <a:p>
             <a:pPr lvl="3"/>
             <a:r>
-              <a:rPr lang="en-US" smtClean="0"/>
+              <a:rPr lang="en-US"/>
               <a:t>Fourth level</a:t>
             </a:r>
           </a:p>
           <a:p>
             <a:pPr lvl="4"/>
             <a:r>
-              <a:rPr lang="en-US" smtClean="0"/>
+              <a:rPr lang="en-US"/>
               <a:t>Fifth level</a:t>
             </a:r>
             <a:endParaRPr lang="en-US" dirty="0"/>
@@ -1386,35 +1386,35 @@
           <a:p>
             <a:pPr lvl="0"/>
             <a:r>
-              <a:rPr lang="en-US" smtClean="0"/>
+              <a:rPr lang="en-US"/>
               <a:t>Edit Master text styles</a:t>
             </a:r>
           </a:p>
           <a:p>
             <a:pPr lvl="1"/>
             <a:r>
-              <a:rPr lang="en-US" smtClean="0"/>
+              <a:rPr lang="en-US"/>
               <a:t>Second level</a:t>
             </a:r>
           </a:p>
           <a:p>
             <a:pPr lvl="2"/>
             <a:r>
-              <a:rPr lang="en-US" smtClean="0"/>
+              <a:rPr lang="en-US"/>
               <a:t>Third level</a:t>
             </a:r>
           </a:p>
           <a:p>
             <a:pPr lvl="3"/>
             <a:r>
-              <a:rPr lang="en-US" smtClean="0"/>
+              <a:rPr lang="en-US"/>
               <a:t>Fourth level</a:t>
             </a:r>
           </a:p>
           <a:p>
             <a:pPr lvl="4"/>
             <a:r>
-              <a:rPr lang="en-US" smtClean="0"/>
+              <a:rPr lang="en-US"/>
               <a:t>Fifth level</a:t>
             </a:r>
             <a:endParaRPr lang="en-US" dirty="0"/>
@@ -1573,7 +1573,7 @@
           <a:lstStyle/>
           <a:p>
             <a:r>
-              <a:rPr lang="en-US" smtClean="0"/>
+              <a:rPr lang="en-US"/>
               <a:t>Click to edit Master title style</a:t>
             </a:r>
             <a:endParaRPr lang="en-US" dirty="0"/>
@@ -1648,7 +1648,7 @@
           <a:p>
             <a:pPr lvl="0"/>
             <a:r>
-              <a:rPr lang="en-US" smtClean="0"/>
+              <a:rPr lang="en-US"/>
               <a:t>Edit Master text styles</a:t>
             </a:r>
           </a:p>
@@ -1676,35 +1676,35 @@
           <a:p>
             <a:pPr lvl="0"/>
             <a:r>
-              <a:rPr lang="en-US" smtClean="0"/>
+              <a:rPr lang="en-US"/>
               <a:t>Edit Master text styles</a:t>
             </a:r>
           </a:p>
           <a:p>
             <a:pPr lvl="1"/>
             <a:r>
-              <a:rPr lang="en-US" smtClean="0"/>
+              <a:rPr lang="en-US"/>
               <a:t>Second level</a:t>
             </a:r>
           </a:p>
           <a:p>
             <a:pPr lvl="2"/>
             <a:r>
-              <a:rPr lang="en-US" smtClean="0"/>
+              <a:rPr lang="en-US"/>
               <a:t>Third level</a:t>
             </a:r>
           </a:p>
           <a:p>
             <a:pPr lvl="3"/>
             <a:r>
-              <a:rPr lang="en-US" smtClean="0"/>
+              <a:rPr lang="en-US"/>
               <a:t>Fourth level</a:t>
             </a:r>
           </a:p>
           <a:p>
             <a:pPr lvl="4"/>
             <a:r>
-              <a:rPr lang="en-US" smtClean="0"/>
+              <a:rPr lang="en-US"/>
               <a:t>Fifth level</a:t>
             </a:r>
             <a:endParaRPr lang="en-US" dirty="0"/>
@@ -1779,7 +1779,7 @@
           <a:p>
             <a:pPr lvl="0"/>
             <a:r>
-              <a:rPr lang="en-US" smtClean="0"/>
+              <a:rPr lang="en-US"/>
               <a:t>Edit Master text styles</a:t>
             </a:r>
           </a:p>
@@ -1807,35 +1807,35 @@
           <a:p>
             <a:pPr lvl="0"/>
             <a:r>
-              <a:rPr lang="en-US" smtClean="0"/>
+              <a:rPr lang="en-US"/>
               <a:t>Edit Master text styles</a:t>
             </a:r>
           </a:p>
           <a:p>
             <a:pPr lvl="1"/>
             <a:r>
-              <a:rPr lang="en-US" smtClean="0"/>
+              <a:rPr lang="en-US"/>
               <a:t>Second level</a:t>
             </a:r>
           </a:p>
           <a:p>
             <a:pPr lvl="2"/>
             <a:r>
-              <a:rPr lang="en-US" smtClean="0"/>
+              <a:rPr lang="en-US"/>
               <a:t>Third level</a:t>
             </a:r>
           </a:p>
           <a:p>
             <a:pPr lvl="3"/>
             <a:r>
-              <a:rPr lang="en-US" smtClean="0"/>
+              <a:rPr lang="en-US"/>
               <a:t>Fourth level</a:t>
             </a:r>
           </a:p>
           <a:p>
             <a:pPr lvl="4"/>
             <a:r>
-              <a:rPr lang="en-US" smtClean="0"/>
+              <a:rPr lang="en-US"/>
               <a:t>Fifth level</a:t>
             </a:r>
             <a:endParaRPr lang="en-US" dirty="0"/>
@@ -1989,7 +1989,7 @@
           <a:lstStyle/>
           <a:p>
             <a:r>
-              <a:rPr lang="en-US" smtClean="0"/>
+              <a:rPr lang="en-US"/>
               <a:t>Click to edit Master title style</a:t>
             </a:r>
             <a:endParaRPr lang="en-US" dirty="0"/>
@@ -2244,7 +2244,7 @@
           </a:lstStyle>
           <a:p>
             <a:r>
-              <a:rPr lang="en-US" smtClean="0"/>
+              <a:rPr lang="en-US"/>
               <a:t>Click to edit Master title style</a:t>
             </a:r>
             <a:endParaRPr lang="en-US" dirty="0"/>
@@ -2273,35 +2273,35 @@
           <a:p>
             <a:pPr lvl="0"/>
             <a:r>
-              <a:rPr lang="en-US" smtClean="0"/>
+              <a:rPr lang="en-US"/>
               <a:t>Edit Master text styles</a:t>
             </a:r>
           </a:p>
           <a:p>
             <a:pPr lvl="1"/>
             <a:r>
-              <a:rPr lang="en-US" smtClean="0"/>
+              <a:rPr lang="en-US"/>
               <a:t>Second level</a:t>
             </a:r>
           </a:p>
           <a:p>
             <a:pPr lvl="2"/>
             <a:r>
-              <a:rPr lang="en-US" smtClean="0"/>
+              <a:rPr lang="en-US"/>
               <a:t>Third level</a:t>
             </a:r>
           </a:p>
           <a:p>
             <a:pPr lvl="3"/>
             <a:r>
-              <a:rPr lang="en-US" smtClean="0"/>
+              <a:rPr lang="en-US"/>
               <a:t>Fourth level</a:t>
             </a:r>
           </a:p>
           <a:p>
             <a:pPr lvl="4"/>
             <a:r>
-              <a:rPr lang="en-US" smtClean="0"/>
+              <a:rPr lang="en-US"/>
               <a:t>Fifth level</a:t>
             </a:r>
             <a:endParaRPr lang="en-US" dirty="0"/>
@@ -2367,7 +2367,7 @@
           <a:p>
             <a:pPr lvl="0"/>
             <a:r>
-              <a:rPr lang="en-US" smtClean="0"/>
+              <a:rPr lang="en-US"/>
               <a:t>Edit Master text styles</a:t>
             </a:r>
           </a:p>
@@ -2665,7 +2665,7 @@
           </a:lstStyle>
           <a:p>
             <a:r>
-              <a:rPr lang="en-US" smtClean="0"/>
+              <a:rPr lang="en-US"/>
               <a:t>Click to edit Master title style</a:t>
             </a:r>
             <a:endParaRPr lang="en-US" dirty="0"/>
@@ -2740,7 +2740,7 @@
           </a:lstStyle>
           <a:p>
             <a:r>
-              <a:rPr lang="en-US" smtClean="0"/>
+              <a:rPr lang="en-US"/>
               <a:t>Click icon to add picture</a:t>
             </a:r>
             <a:endParaRPr lang="en-US" dirty="0"/>
@@ -2808,7 +2808,7 @@
           <a:p>
             <a:pPr lvl="0"/>
             <a:r>
-              <a:rPr lang="en-US" smtClean="0"/>
+              <a:rPr lang="en-US"/>
               <a:t>Edit Master text styles</a:t>
             </a:r>
           </a:p>
@@ -3063,7 +3063,7 @@
           <a:lstStyle/>
           <a:p>
             <a:r>
-              <a:rPr lang="en-US" smtClean="0"/>
+              <a:rPr lang="en-US"/>
               <a:t>Click to edit Master title style</a:t>
             </a:r>
             <a:endParaRPr lang="en-US" dirty="0"/>
@@ -3715,7 +3715,12 @@
             <p:ph type="subTitle" idx="1"/>
           </p:nvPr>
         </p:nvSpPr>
-        <p:spPr/>
+        <p:spPr>
+          <a:xfrm>
+            <a:off x="2417780" y="3531204"/>
+            <a:ext cx="8637072" cy="1544379"/>
+          </a:xfrm>
+        </p:spPr>
         <p:txBody>
           <a:bodyPr>
             <a:normAutofit fontScale="62500" lnSpcReduction="20000"/>
@@ -3750,6 +3755,22 @@
             <a:r>
               <a:rPr lang="en-US" dirty="0"/>
               <a:t> </a:t>
+            </a:r>
+          </a:p>
+          <a:p>
+            <a:r>
+              <a:rPr lang="en-US" dirty="0" err="1"/>
+              <a:t>Adamma</a:t>
+            </a:r>
+            <a:r>
+              <a:rPr lang="en-US" dirty="0"/>
+              <a:t> Newman</a:t>
+            </a:r>
+          </a:p>
+          <a:p>
+            <a:r>
+              <a:rPr lang="en-US" dirty="0"/>
+              <a:t>Makafui Dzeze</a:t>
             </a:r>
           </a:p>
         </p:txBody>
@@ -3837,40 +3858,43 @@
           <a:p>
             <a:pPr algn="ctr"/>
             <a:r>
-              <a:rPr lang="en-US" dirty="0" smtClean="0"/>
-              <a:t>Work </a:t>
-            </a:r>
-            <a:r>
-              <a:rPr lang="en-US" dirty="0"/>
-              <a:t>Breakdown Structure</a:t>
+              <a:rPr lang="en-US" dirty="0"/>
+              <a:t>Deliverables:</a:t>
+            </a:r>
+            <a:br>
+              <a:rPr lang="en-US" dirty="0"/>
+            </a:br>
+            <a:r>
+              <a:rPr lang="en-US" dirty="0"/>
+              <a:t>Work Breakdown Structure</a:t>
             </a:r>
           </a:p>
         </p:txBody>
       </p:sp>
       <p:pic>
         <p:nvPicPr>
-          <p:cNvPr id="5" name="Picture 4"/>
+          <p:cNvPr id="4" name="Picture 3">
+            <a:extLst>
+              <a:ext uri="{FF2B5EF4-FFF2-40B4-BE49-F238E27FC236}">
+                <a16:creationId xmlns:a16="http://schemas.microsoft.com/office/drawing/2014/main" id="{120B2870-4A2D-4727-AA23-FEE4E1E2BAD3}"/>
+              </a:ext>
+            </a:extLst>
+          </p:cNvPr>
           <p:cNvPicPr>
             <a:picLocks noChangeAspect="1"/>
           </p:cNvPicPr>
           <p:nvPr/>
         </p:nvPicPr>
         <p:blipFill>
-          <a:blip r:embed="rId2">
-            <a:extLst>
-              <a:ext uri="{28A0092B-C50C-407E-A947-70E740481C1C}">
-                <a14:useLocalDpi xmlns:a14="http://schemas.microsoft.com/office/drawing/2010/main" val="0"/>
-              </a:ext>
-            </a:extLst>
-          </a:blip>
+          <a:blip r:embed="rId2"/>
           <a:stretch>
             <a:fillRect/>
           </a:stretch>
         </p:blipFill>
         <p:spPr>
           <a:xfrm>
-            <a:off x="1185916" y="1628636"/>
-            <a:ext cx="10134600" cy="4420410"/>
+            <a:off x="712986" y="2555294"/>
+            <a:ext cx="10766028" cy="3693105"/>
           </a:xfrm>
           <a:prstGeom prst="rect">
             <a:avLst/>
@@ -3930,10 +3954,9 @@
           <a:p>
             <a:pPr algn="ctr"/>
             <a:r>
-              <a:rPr lang="en-US" dirty="0" smtClean="0"/>
+              <a:rPr lang="en-US" dirty="0"/>
               <a:t>Project Review: I</a:t>
             </a:r>
-            <a:endParaRPr lang="en-US" dirty="0"/>
           </a:p>
         </p:txBody>
       </p:sp>
@@ -4014,21 +4037,9 @@
           <a:p>
             <a:pPr algn="ctr"/>
             <a:r>
-              <a:rPr lang="en-US" dirty="0" smtClean="0"/>
-              <a:t>Project Review: </a:t>
-            </a:r>
-            <a:r>
-              <a:rPr lang="en-US" dirty="0" smtClean="0"/>
-              <a:t>II</a:t>
-            </a:r>
-            <a:br>
-              <a:rPr lang="en-US" dirty="0" smtClean="0"/>
-            </a:br>
-            <a:r>
-              <a:rPr lang="en-US" dirty="0" smtClean="0"/>
-              <a:t>(Project Review: III Coming Soon)</a:t>
-            </a:r>
-            <a:endParaRPr lang="en-US" dirty="0"/>
+              <a:rPr lang="en-US" dirty="0"/>
+              <a:t>Project Review: II</a:t>
+            </a:r>
           </a:p>
         </p:txBody>
       </p:sp>
@@ -4103,10 +4114,9 @@
           <a:p>
             <a:pPr algn="ctr"/>
             <a:r>
-              <a:rPr lang="en-US" dirty="0" smtClean="0"/>
+              <a:rPr lang="en-US" dirty="0"/>
               <a:t>Challenges Faced</a:t>
             </a:r>
-            <a:endParaRPr lang="en-US" dirty="0"/>
           </a:p>
         </p:txBody>
       </p:sp>
@@ -4128,152 +4138,91 @@
           <a:lstStyle/>
           <a:p>
             <a:r>
-              <a:rPr lang="en-US" dirty="0" smtClean="0"/>
+              <a:rPr lang="en-US" dirty="0"/>
               <a:t>Our collective </a:t>
             </a:r>
             <a:r>
-              <a:rPr lang="en-US" dirty="0" err="1" smtClean="0"/>
+              <a:rPr lang="en-US" dirty="0" err="1"/>
               <a:t>webdev</a:t>
             </a:r>
             <a:r>
-              <a:rPr lang="en-US" dirty="0" smtClean="0"/>
+              <a:rPr lang="en-US" dirty="0"/>
               <a:t> experience equates to basic static HTML pages</a:t>
             </a:r>
           </a:p>
           <a:p>
             <a:r>
-              <a:rPr lang="en-US" dirty="0" smtClean="0"/>
+              <a:rPr lang="en-US" dirty="0"/>
               <a:t>Learning:</a:t>
             </a:r>
           </a:p>
           <a:p>
             <a:pPr lvl="1"/>
             <a:r>
-              <a:rPr lang="en-US" dirty="0" smtClean="0"/>
+              <a:rPr lang="en-US" dirty="0"/>
               <a:t>Miscellaneous </a:t>
             </a:r>
             <a:r>
-              <a:rPr lang="en-US" dirty="0" err="1" smtClean="0"/>
+              <a:rPr lang="en-US" dirty="0" err="1"/>
               <a:t>webdev</a:t>
             </a:r>
             <a:r>
-              <a:rPr lang="en-US" dirty="0" smtClean="0"/>
+              <a:rPr lang="en-US" dirty="0"/>
               <a:t> vocabulary</a:t>
             </a:r>
           </a:p>
           <a:p>
             <a:pPr lvl="1"/>
             <a:r>
-              <a:rPr lang="en-US" dirty="0" err="1" smtClean="0"/>
+              <a:rPr lang="en-US" dirty="0" err="1"/>
               <a:t>Git</a:t>
             </a:r>
-            <a:endParaRPr lang="en-US" dirty="0" smtClean="0"/>
+            <a:endParaRPr lang="en-US" dirty="0"/>
           </a:p>
           <a:p>
             <a:pPr lvl="1"/>
             <a:r>
-              <a:rPr lang="en-US" dirty="0" smtClean="0"/>
+              <a:rPr lang="en-US" dirty="0"/>
               <a:t>JavaScript</a:t>
             </a:r>
           </a:p>
           <a:p>
             <a:pPr lvl="1"/>
             <a:r>
-              <a:rPr lang="en-US" dirty="0" smtClean="0"/>
+              <a:rPr lang="en-US" dirty="0"/>
               <a:t>Frameworks</a:t>
             </a:r>
           </a:p>
           <a:p>
             <a:pPr lvl="2"/>
             <a:r>
-              <a:rPr lang="en-US" dirty="0" smtClean="0"/>
+              <a:rPr lang="en-US" dirty="0"/>
               <a:t>React, Bootstrap</a:t>
             </a:r>
           </a:p>
           <a:p>
             <a:pPr lvl="2"/>
             <a:r>
-              <a:rPr lang="en-US" dirty="0" smtClean="0"/>
+              <a:rPr lang="en-US" dirty="0"/>
               <a:t>Node/Express</a:t>
             </a:r>
           </a:p>
           <a:p>
             <a:pPr lvl="1"/>
             <a:r>
-              <a:rPr lang="en-US" dirty="0" smtClean="0"/>
+              <a:rPr lang="en-US" dirty="0"/>
               <a:t>User authentication</a:t>
             </a:r>
           </a:p>
           <a:p>
             <a:pPr lvl="1"/>
             <a:r>
-              <a:rPr lang="en-US" dirty="0" smtClean="0"/>
+              <a:rPr lang="en-US" dirty="0"/>
               <a:t>Databases</a:t>
             </a:r>
-            <a:endParaRPr lang="en-US" dirty="0"/>
-          </a:p>
-        </p:txBody>
-      </p:sp>
-      <p:pic>
-        <p:nvPicPr>
-          <p:cNvPr id="5" name="Picture 4"/>
-          <p:cNvPicPr>
-            <a:picLocks noChangeAspect="1"/>
-          </p:cNvPicPr>
-          <p:nvPr/>
-        </p:nvPicPr>
-        <p:blipFill>
-          <a:blip r:embed="rId2" cstate="hqprint">
-            <a:extLst>
-              <a:ext uri="{28A0092B-C50C-407E-A947-70E740481C1C}">
-                <a14:useLocalDpi xmlns:a14="http://schemas.microsoft.com/office/drawing/2010/main" val="0"/>
-              </a:ext>
-            </a:extLst>
-          </a:blip>
-          <a:stretch>
-            <a:fillRect/>
-          </a:stretch>
-        </p:blipFill>
-        <p:spPr>
-          <a:xfrm>
-            <a:off x="8387861" y="1853754"/>
-            <a:ext cx="2859435" cy="2020667"/>
-          </a:xfrm>
-          <a:prstGeom prst="rect">
-            <a:avLst/>
-          </a:prstGeom>
-        </p:spPr>
-      </p:pic>
-      <p:pic>
-        <p:nvPicPr>
-          <p:cNvPr id="6" name="Picture 5"/>
-          <p:cNvPicPr>
-            <a:picLocks noChangeAspect="1"/>
-          </p:cNvPicPr>
-          <p:nvPr/>
-        </p:nvPicPr>
-        <p:blipFill>
-          <a:blip r:embed="rId3">
-            <a:extLst>
-              <a:ext uri="{28A0092B-C50C-407E-A947-70E740481C1C}">
-                <a14:useLocalDpi xmlns:a14="http://schemas.microsoft.com/office/drawing/2010/main" val="0"/>
-              </a:ext>
-            </a:extLst>
-          </a:blip>
-          <a:stretch>
-            <a:fillRect/>
-          </a:stretch>
-        </p:blipFill>
-        <p:spPr>
-          <a:xfrm>
-            <a:off x="6594758" y="3581399"/>
-            <a:ext cx="1793103" cy="2321169"/>
-          </a:xfrm>
-          <a:prstGeom prst="rect">
-            <a:avLst/>
-          </a:prstGeom>
-        </p:spPr>
-      </p:pic>
+          </a:p>
+        </p:txBody>
+      </p:sp>
     </p:spTree>
     <p:extLst>
       <p:ext uri="{BB962C8B-B14F-4D97-AF65-F5344CB8AC3E}">
@@ -4334,13 +4283,13 @@
             <a:spLocks noGrp="1"/>
           </p:cNvSpPr>
           <p:nvPr>
-            <p:ph sz="half" idx="1"/>
+            <p:ph idx="1"/>
           </p:nvPr>
         </p:nvSpPr>
         <p:spPr/>
         <p:txBody>
           <a:bodyPr>
-            <a:normAutofit fontScale="62500" lnSpcReduction="20000"/>
+            <a:normAutofit fontScale="70000" lnSpcReduction="20000"/>
           </a:bodyPr>
           <a:lstStyle/>
           <a:p>
@@ -4388,91 +4337,38 @@
             <a:pPr lvl="1"/>
             <a:r>
               <a:rPr lang="en-US" dirty="0"/>
-              <a:t>Advertising</a:t>
+              <a:t>User pages</a:t>
             </a:r>
           </a:p>
           <a:p>
             <a:pPr lvl="1"/>
             <a:r>
               <a:rPr lang="en-US" dirty="0"/>
-              <a:t>User pages</a:t>
+              <a:t>Team pages</a:t>
             </a:r>
           </a:p>
           <a:p>
             <a:pPr lvl="1"/>
             <a:r>
               <a:rPr lang="en-US" dirty="0"/>
-              <a:t>Team pages</a:t>
-            </a:r>
-          </a:p>
-          <a:p>
-            <a:pPr lvl="1"/>
-            <a:r>
-              <a:rPr lang="en-US" dirty="0"/>
               <a:t>Public leaderboards</a:t>
             </a:r>
           </a:p>
           <a:p>
             <a:r>
-              <a:rPr lang="en-US" dirty="0" smtClean="0"/>
-              <a:t>Expand </a:t>
-            </a:r>
-            <a:r>
-              <a:rPr lang="en-US" dirty="0"/>
-              <a:t>upon backend functionality</a:t>
-            </a:r>
-          </a:p>
-          <a:p>
-            <a:pPr lvl="1"/>
-            <a:r>
-              <a:rPr lang="en-US" dirty="0"/>
-              <a:t>Donations</a:t>
-            </a:r>
-          </a:p>
-          <a:p>
-            <a:pPr lvl="1"/>
-            <a:r>
-              <a:rPr lang="en-US" dirty="0"/>
-              <a:t>Monitoring</a:t>
-            </a:r>
-          </a:p>
-          <a:p>
-            <a:pPr lvl="1"/>
-            <a:r>
-              <a:rPr lang="en-US" dirty="0"/>
-              <a:t>Everything else as </a:t>
-            </a:r>
-            <a:r>
-              <a:rPr lang="en-US" dirty="0" smtClean="0"/>
-              <a:t>needed</a:t>
+              <a:rPr lang="en-US" dirty="0"/>
+              <a:t>Acquire hosting, make </a:t>
+            </a:r>
+            <a:r>
+              <a:rPr lang="en-US"/>
+              <a:t>the project live</a:t>
             </a:r>
             <a:endParaRPr lang="en-US" dirty="0"/>
           </a:p>
           <a:p>
-            <a:endParaRPr lang="en-US" dirty="0"/>
-          </a:p>
-        </p:txBody>
-      </p:sp>
-      <p:sp>
-        <p:nvSpPr>
-          <p:cNvPr id="4" name="Content Placeholder 3"/>
-          <p:cNvSpPr>
-            <a:spLocks noGrp="1"/>
-          </p:cNvSpPr>
-          <p:nvPr>
-            <p:ph sz="half" idx="2"/>
-          </p:nvPr>
-        </p:nvSpPr>
-        <p:spPr/>
-        <p:txBody>
-          <a:bodyPr>
-            <a:normAutofit fontScale="62500" lnSpcReduction="20000"/>
-          </a:bodyPr>
-          <a:lstStyle/>
-          <a:p>
-            <a:r>
-              <a:rPr lang="en-US" dirty="0"/>
-              <a:t>Acquire hosting, have it be live</a:t>
+            <a:r>
+              <a:rPr lang="en-US" dirty="0"/>
+              <a:t>Expand upon backend functionality as needed</a:t>
             </a:r>
           </a:p>
           <a:p>
@@ -4489,7 +4385,7 @@
     </p:spTree>
     <p:extLst>
       <p:ext uri="{BB962C8B-B14F-4D97-AF65-F5344CB8AC3E}">
-        <p14:creationId xmlns:p14="http://schemas.microsoft.com/office/powerpoint/2010/main" val="2579503228"/>
+        <p14:creationId xmlns:p14="http://schemas.microsoft.com/office/powerpoint/2010/main" val="39022633"/>
       </p:ext>
     </p:extLst>
   </p:cSld>
@@ -4560,35 +4456,35 @@
           <a:lstStyle/>
           <a:p>
             <a:r>
-              <a:rPr lang="en-US" dirty="0" smtClean="0"/>
+              <a:rPr lang="en-US" dirty="0"/>
               <a:t>Christian </a:t>
             </a:r>
             <a:r>
-              <a:rPr lang="en-US" dirty="0" err="1" smtClean="0"/>
+              <a:rPr lang="en-US" dirty="0" err="1"/>
               <a:t>Sauls</a:t>
             </a:r>
             <a:r>
-              <a:rPr lang="en-US" dirty="0" smtClean="0"/>
+              <a:rPr lang="en-US" dirty="0"/>
               <a:t> – Programmer (backend), coordinator, minor documenter, minor designer, minor frontend </a:t>
             </a:r>
           </a:p>
           <a:p>
             <a:r>
-              <a:rPr lang="en-US" dirty="0" smtClean="0"/>
+              <a:rPr lang="en-US" dirty="0"/>
               <a:t>Travis Stewart – Documenter (SPMP,  use cases, Gantt chart, and more), minor designer</a:t>
             </a:r>
           </a:p>
           <a:p>
             <a:r>
-              <a:rPr lang="en-US" dirty="0" smtClean="0"/>
+              <a:rPr lang="en-US" dirty="0"/>
               <a:t>Josh </a:t>
             </a:r>
             <a:r>
-              <a:rPr lang="en-US" dirty="0" err="1" smtClean="0"/>
+              <a:rPr lang="en-US" dirty="0" err="1"/>
               <a:t>Shevitz</a:t>
             </a:r>
             <a:r>
-              <a:rPr lang="en-US" dirty="0" smtClean="0"/>
+              <a:rPr lang="en-US" dirty="0"/>
               <a:t> – Programmer (frontend), coordinator, designer</a:t>
             </a:r>
           </a:p>
@@ -4596,7 +4492,13 @@
       </p:sp>
       <p:pic>
         <p:nvPicPr>
-          <p:cNvPr id="5" name="Picture 4"/>
+          <p:cNvPr id="5" name="Picture 4">
+            <a:extLst>
+              <a:ext uri="{FF2B5EF4-FFF2-40B4-BE49-F238E27FC236}">
+                <a16:creationId xmlns:a16="http://schemas.microsoft.com/office/drawing/2014/main" id="{5D3A490A-722D-490A-A18A-1DAF7E9CA3EC}"/>
+              </a:ext>
+            </a:extLst>
+          </p:cNvPr>
           <p:cNvPicPr>
             <a:picLocks noChangeAspect="1"/>
           </p:cNvPicPr>
@@ -4610,8 +4512,8 @@
         </p:blipFill>
         <p:spPr>
           <a:xfrm>
-            <a:off x="8054479" y="2015732"/>
-            <a:ext cx="3000375" cy="3676650"/>
+            <a:off x="7535373" y="2015732"/>
+            <a:ext cx="4295775" cy="3695700"/>
           </a:xfrm>
           <a:prstGeom prst="rect">
             <a:avLst/>
@@ -4721,23 +4623,11 @@
             </a:pPr>
             <a:r>
               <a:rPr lang="en-US" dirty="0"/>
-              <a:t>To create a </a:t>
-            </a:r>
-            <a:r>
-              <a:rPr lang="en-US" dirty="0" smtClean="0"/>
-              <a:t>fun, interactive </a:t>
-            </a:r>
-            <a:r>
-              <a:rPr lang="en-US" dirty="0"/>
-              <a:t>learning experience </a:t>
-            </a:r>
-            <a:r>
-              <a:rPr lang="en-US" dirty="0" smtClean="0"/>
-              <a:t>that educates teens on consistent healthy lifestyle decisions such as diet and exercise</a:t>
-            </a:r>
-          </a:p>
-          <a:p>
-            <a:endParaRPr lang="en-US" dirty="0" smtClean="0"/>
+              <a:t>To create a fun, interactive learning experience that educates teens on consistent healthy lifestyle decisions such as diet and exercise</a:t>
+            </a:r>
+          </a:p>
+          <a:p>
+            <a:endParaRPr lang="en-US" dirty="0"/>
           </a:p>
           <a:p>
             <a:pPr marL="285750" indent="-285750">
@@ -4745,12 +4635,8 @@
               <a:buChar char="•"/>
             </a:pPr>
             <a:r>
-              <a:rPr lang="en-US" dirty="0" smtClean="0"/>
-              <a:t>US </a:t>
-            </a:r>
-            <a:r>
-              <a:rPr lang="en-US" dirty="0"/>
-              <a:t>Dept of Health and Human Services (DHHS) – </a:t>
+              <a:rPr lang="en-US" dirty="0"/>
+              <a:t>US Dept of Health and Human Services (DHHS) – </a:t>
             </a:r>
             <a:r>
               <a:rPr lang="en-US" dirty="0">
@@ -4758,17 +4644,9 @@
                   <a:srgbClr val="FF0000"/>
                 </a:solidFill>
               </a:rPr>
-              <a:t>“teens today are more likely to develop a sustained interest in a healthy, active lifestyle if they are provided with some type of technology-based “game-like” tool to stimulate their interest in the areas</a:t>
-            </a:r>
-            <a:r>
-              <a:rPr lang="en-US" dirty="0" smtClean="0">
-                <a:solidFill>
-                  <a:srgbClr val="FF0000"/>
-                </a:solidFill>
-              </a:rPr>
-              <a:t>.“</a:t>
-            </a:r>
-            <a:endParaRPr lang="en-US" dirty="0" smtClean="0"/>
+              <a:t>“teens today are more likely to develop a sustained interest in a healthy, active lifestyle if they are provided with some type of technology-based “game-like” tool to stimulate their interest in the areas.“</a:t>
+            </a:r>
+            <a:endParaRPr lang="en-US" dirty="0"/>
           </a:p>
           <a:p>
             <a:pPr marL="285750" indent="-285750">
@@ -4794,13 +4672,8 @@
             </a:pPr>
             <a:r>
               <a:rPr lang="en-US" dirty="0"/>
-              <a:t>Primary platform: </a:t>
-            </a:r>
-            <a:r>
-              <a:rPr lang="en-US" dirty="0" smtClean="0"/>
-              <a:t>mobile</a:t>
-            </a:r>
-            <a:endParaRPr lang="en-US" dirty="0"/>
+              <a:t>Primary platform: mobile</a:t>
+            </a:r>
           </a:p>
         </p:txBody>
       </p:sp>
@@ -4836,7 +4709,13 @@
       </p:grpSpPr>
       <p:sp>
         <p:nvSpPr>
-          <p:cNvPr id="2" name="Title 1"/>
+          <p:cNvPr id="2" name="Title 1">
+            <a:extLst>
+              <a:ext uri="{FF2B5EF4-FFF2-40B4-BE49-F238E27FC236}">
+                <a16:creationId xmlns:a16="http://schemas.microsoft.com/office/drawing/2014/main" id="{2CA9E641-81A2-44B5-B4CB-6723E8C21FE0}"/>
+              </a:ext>
+            </a:extLst>
+          </p:cNvPr>
           <p:cNvSpPr>
             <a:spLocks noGrp="1"/>
           </p:cNvSpPr>
@@ -4859,190 +4738,157 @@
       </p:sp>
       <p:sp>
         <p:nvSpPr>
-          <p:cNvPr id="3" name="Content Placeholder 2"/>
-          <p:cNvSpPr>
-            <a:spLocks noGrp="1"/>
-          </p:cNvSpPr>
-          <p:nvPr>
-            <p:ph sz="half" idx="1"/>
-          </p:nvPr>
-        </p:nvSpPr>
-        <p:spPr/>
-        <p:txBody>
-          <a:bodyPr>
-            <a:normAutofit fontScale="77500" lnSpcReduction="20000"/>
+          <p:cNvPr id="3" name="TextBox 2">
+            <a:extLst>
+              <a:ext uri="{FF2B5EF4-FFF2-40B4-BE49-F238E27FC236}">
+                <a16:creationId xmlns:a16="http://schemas.microsoft.com/office/drawing/2014/main" id="{39819AF1-0C22-47B7-86F3-30C130EF3798}"/>
+              </a:ext>
+            </a:extLst>
+          </p:cNvPr>
+          <p:cNvSpPr txBox="1"/>
+          <p:nvPr/>
+        </p:nvSpPr>
+        <p:spPr>
+          <a:xfrm>
+            <a:off x="1085850" y="1943100"/>
+            <a:ext cx="9972675" cy="3416320"/>
+          </a:xfrm>
+          <a:prstGeom prst="rect">
+            <a:avLst/>
+          </a:prstGeom>
+          <a:noFill/>
+        </p:spPr>
+        <p:txBody>
+          <a:bodyPr wrap="square" rtlCol="0">
+            <a:spAutoFit/>
           </a:bodyPr>
           <a:lstStyle/>
           <a:p>
-            <a:pPr marL="285750" indent="-285750"/>
+            <a:pPr marL="285750" indent="-285750">
+              <a:buFont typeface="Arial" panose="020B0604020202020204" pitchFamily="34" charset="0"/>
+              <a:buChar char="•"/>
+            </a:pPr>
             <a:r>
               <a:rPr lang="en-US" dirty="0"/>
               <a:t>Front end:</a:t>
             </a:r>
           </a:p>
           <a:p>
-            <a:pPr marL="742950" lvl="1" indent="-285750"/>
+            <a:pPr marL="742950" lvl="1" indent="-285750">
+              <a:buFont typeface="Arial" panose="020B0604020202020204" pitchFamily="34" charset="0"/>
+              <a:buChar char="•"/>
+            </a:pPr>
             <a:r>
               <a:rPr lang="en-US" dirty="0"/>
               <a:t>HTML/CSS</a:t>
             </a:r>
           </a:p>
           <a:p>
-            <a:pPr marL="742950" lvl="1" indent="-285750"/>
+            <a:pPr marL="742950" lvl="1" indent="-285750">
+              <a:buFont typeface="Arial" panose="020B0604020202020204" pitchFamily="34" charset="0"/>
+              <a:buChar char="•"/>
+            </a:pPr>
             <a:r>
               <a:rPr lang="en-US" dirty="0"/>
               <a:t>JavaScript</a:t>
             </a:r>
           </a:p>
           <a:p>
-            <a:pPr marL="1200150" lvl="2" indent="-285750"/>
+            <a:pPr marL="1200150" lvl="2" indent="-285750">
+              <a:buFont typeface="Arial" panose="020B0604020202020204" pitchFamily="34" charset="0"/>
+              <a:buChar char="•"/>
+            </a:pPr>
             <a:r>
               <a:rPr lang="en-US" dirty="0"/>
               <a:t>React</a:t>
             </a:r>
           </a:p>
           <a:p>
-            <a:pPr marL="1200150" lvl="2" indent="-285750"/>
+            <a:pPr marL="1200150" lvl="2" indent="-285750">
+              <a:buFont typeface="Arial" panose="020B0604020202020204" pitchFamily="34" charset="0"/>
+              <a:buChar char="•"/>
+            </a:pPr>
             <a:r>
               <a:rPr lang="en-US" dirty="0"/>
               <a:t>Bootstrap (possibly)</a:t>
             </a:r>
           </a:p>
           <a:p>
-            <a:pPr marL="285750" indent="-285750"/>
+            <a:pPr marL="285750" indent="-285750">
+              <a:buFont typeface="Arial" panose="020B0604020202020204" pitchFamily="34" charset="0"/>
+              <a:buChar char="•"/>
+            </a:pPr>
             <a:r>
               <a:rPr lang="en-US" dirty="0"/>
               <a:t>Back end</a:t>
             </a:r>
           </a:p>
           <a:p>
-            <a:pPr marL="742950" lvl="1" indent="-285750"/>
+            <a:pPr marL="742950" lvl="1" indent="-285750">
+              <a:buFont typeface="Arial" panose="020B0604020202020204" pitchFamily="34" charset="0"/>
+              <a:buChar char="•"/>
+            </a:pPr>
             <a:r>
               <a:rPr lang="en-US" dirty="0"/>
               <a:t>MongoDB</a:t>
             </a:r>
           </a:p>
           <a:p>
-            <a:pPr marL="742950" lvl="1" indent="-285750"/>
+            <a:pPr marL="742950" lvl="1" indent="-285750">
+              <a:buFont typeface="Arial" panose="020B0604020202020204" pitchFamily="34" charset="0"/>
+              <a:buChar char="•"/>
+            </a:pPr>
             <a:r>
               <a:rPr lang="en-US" dirty="0"/>
               <a:t>JavaScript</a:t>
             </a:r>
           </a:p>
           <a:p>
-            <a:pPr marL="1200150" lvl="2" indent="-285750"/>
+            <a:pPr marL="1200150" lvl="2" indent="-285750">
+              <a:buFont typeface="Arial" panose="020B0604020202020204" pitchFamily="34" charset="0"/>
+              <a:buChar char="•"/>
+            </a:pPr>
             <a:r>
               <a:rPr lang="en-US" dirty="0"/>
               <a:t>Express.js</a:t>
             </a:r>
           </a:p>
           <a:p>
-            <a:pPr marL="1200150" lvl="2" indent="-285750"/>
+            <a:pPr marL="1200150" lvl="2" indent="-285750">
+              <a:buFont typeface="Arial" panose="020B0604020202020204" pitchFamily="34" charset="0"/>
+              <a:buChar char="•"/>
+            </a:pPr>
             <a:r>
               <a:rPr lang="en-US" dirty="0"/>
               <a:t>JSON Web Tokens</a:t>
             </a:r>
           </a:p>
           <a:p>
-            <a:pPr marL="285750" indent="-285750"/>
+            <a:pPr marL="285750" indent="-285750">
+              <a:buFont typeface="Arial" panose="020B0604020202020204" pitchFamily="34" charset="0"/>
+              <a:buChar char="•"/>
+            </a:pPr>
             <a:r>
               <a:rPr lang="en-US" dirty="0"/>
               <a:t>Domain/Hosting provider</a:t>
             </a:r>
           </a:p>
           <a:p>
-            <a:pPr marL="742950" lvl="1" indent="-285750"/>
+            <a:pPr marL="742950" lvl="1" indent="-285750">
+              <a:buFont typeface="Arial" panose="020B0604020202020204" pitchFamily="34" charset="0"/>
+              <a:buChar char="•"/>
+            </a:pPr>
             <a:r>
               <a:rPr lang="en-US" dirty="0"/>
               <a:t>name.com (GitHub student developer pack)</a:t>
             </a:r>
-          </a:p>
-        </p:txBody>
-      </p:sp>
-      <p:sp>
-        <p:nvSpPr>
-          <p:cNvPr id="4" name="Content Placeholder 3"/>
-          <p:cNvSpPr>
-            <a:spLocks noGrp="1"/>
-          </p:cNvSpPr>
-          <p:nvPr>
-            <p:ph sz="half" idx="2"/>
-          </p:nvPr>
-        </p:nvSpPr>
-        <p:spPr/>
-        <p:txBody>
-          <a:bodyPr>
-            <a:normAutofit fontScale="77500" lnSpcReduction="20000"/>
-          </a:bodyPr>
-          <a:lstStyle/>
-          <a:p>
-            <a:r>
-              <a:rPr lang="en-US" dirty="0" smtClean="0"/>
-              <a:t>Collaboration:</a:t>
-            </a:r>
-          </a:p>
-          <a:p>
-            <a:pPr lvl="1"/>
-            <a:r>
-              <a:rPr lang="en-US" dirty="0" smtClean="0"/>
-              <a:t>GitHub/</a:t>
-            </a:r>
-            <a:r>
-              <a:rPr lang="en-US" dirty="0" err="1" smtClean="0"/>
-              <a:t>Git</a:t>
-            </a:r>
-            <a:endParaRPr lang="en-US" dirty="0" smtClean="0"/>
-          </a:p>
-          <a:p>
-            <a:pPr lvl="1"/>
-            <a:r>
-              <a:rPr lang="en-US" dirty="0" err="1" smtClean="0"/>
-              <a:t>GroupMe</a:t>
-            </a:r>
-            <a:endParaRPr lang="en-US" dirty="0" smtClean="0"/>
-          </a:p>
-          <a:p>
-            <a:pPr lvl="1"/>
-            <a:r>
-              <a:rPr lang="en-US" dirty="0" smtClean="0"/>
-              <a:t>Google Hangouts</a:t>
-            </a:r>
-          </a:p>
-          <a:p>
-            <a:r>
-              <a:rPr lang="en-US" dirty="0" smtClean="0"/>
-              <a:t>Miscellaneous</a:t>
-            </a:r>
-          </a:p>
-          <a:p>
-            <a:pPr lvl="1"/>
-            <a:r>
-              <a:rPr lang="en-US" dirty="0" smtClean="0"/>
-              <a:t>Various </a:t>
-            </a:r>
-            <a:r>
-              <a:rPr lang="en-US" dirty="0" err="1" smtClean="0"/>
-              <a:t>npm</a:t>
-            </a:r>
-            <a:r>
-              <a:rPr lang="en-US" dirty="0" smtClean="0"/>
-              <a:t> packages</a:t>
-            </a:r>
-          </a:p>
-          <a:p>
-            <a:pPr lvl="1"/>
-            <a:r>
-              <a:rPr lang="en-US" dirty="0" smtClean="0"/>
-              <a:t>Postman to make HTML requests for backend testing</a:t>
-            </a:r>
-            <a:endParaRPr lang="en-US" dirty="0"/>
           </a:p>
         </p:txBody>
       </p:sp>
     </p:spTree>
     <p:extLst>
       <p:ext uri="{BB962C8B-B14F-4D97-AF65-F5344CB8AC3E}">
-        <p14:creationId xmlns:p14="http://schemas.microsoft.com/office/powerpoint/2010/main" val="2610944261"/>
+        <p14:creationId xmlns:p14="http://schemas.microsoft.com/office/powerpoint/2010/main" val="940705121"/>
       </p:ext>
     </p:extLst>
   </p:cSld>
@@ -5131,12 +4977,8 @@
               <a:buChar char="•"/>
             </a:pPr>
             <a:r>
-              <a:rPr lang="en-US" dirty="0" smtClean="0"/>
-              <a:t>Online multiplayer trivia </a:t>
-            </a:r>
-            <a:r>
-              <a:rPr lang="en-US" dirty="0" smtClean="0"/>
-              <a:t>game</a:t>
+              <a:rPr lang="en-US" dirty="0"/>
+              <a:t>Online multiplayer trivia game</a:t>
             </a:r>
           </a:p>
           <a:p>
@@ -5145,10 +4987,9 @@
               <a:buChar char="•"/>
             </a:pPr>
             <a:r>
-              <a:rPr lang="en-US" dirty="0" smtClean="0"/>
+              <a:rPr lang="en-US" dirty="0"/>
               <a:t>Questions to be chosen randomly from a pool of fitness-related questions</a:t>
             </a:r>
-            <a:endParaRPr lang="en-US" dirty="0" smtClean="0"/>
           </a:p>
           <a:p>
             <a:pPr marL="285750" indent="-285750">
@@ -5163,7 +5004,7 @@
               <a:buChar char="•"/>
             </a:pPr>
             <a:r>
-              <a:rPr lang="en-US" dirty="0" smtClean="0"/>
+              <a:rPr lang="en-US" dirty="0"/>
               <a:t>Game modes:</a:t>
             </a:r>
           </a:p>
@@ -5173,10 +5014,9 @@
               <a:buChar char="•"/>
             </a:pPr>
             <a:r>
-              <a:rPr lang="en-US" dirty="0" smtClean="0"/>
+              <a:rPr lang="en-US" dirty="0"/>
               <a:t>Simple trivia:</a:t>
             </a:r>
-            <a:endParaRPr lang="en-US" dirty="0"/>
           </a:p>
           <a:p>
             <a:pPr marL="1200150" lvl="2" indent="-285750">
@@ -5184,16 +5024,8 @@
               <a:buChar char="•"/>
             </a:pPr>
             <a:r>
-              <a:rPr lang="en-US" dirty="0" smtClean="0"/>
-              <a:t>Solo </a:t>
-            </a:r>
-            <a:r>
-              <a:rPr lang="en-US" dirty="0"/>
-              <a:t>– </a:t>
-            </a:r>
-            <a:r>
-              <a:rPr lang="en-US" dirty="0" smtClean="0"/>
-              <a:t>Play by yourself, answering a handful of randomly-chosen questions</a:t>
+              <a:rPr lang="en-US" dirty="0"/>
+              <a:t>Solo – Play by yourself, answering a handful of randomly-chosen questions</a:t>
             </a:r>
           </a:p>
           <a:p>
@@ -5202,14 +5034,13 @@
               <a:buChar char="•"/>
             </a:pPr>
             <a:r>
-              <a:rPr lang="en-US" dirty="0" err="1" smtClean="0"/>
+              <a:rPr lang="en-US" dirty="0" err="1"/>
               <a:t>Kahoot</a:t>
             </a:r>
             <a:r>
-              <a:rPr lang="en-US" dirty="0" smtClean="0"/>
+              <a:rPr lang="en-US" dirty="0"/>
               <a:t>!-style trivia:</a:t>
             </a:r>
-            <a:endParaRPr lang="en-US" dirty="0"/>
           </a:p>
           <a:p>
             <a:pPr marL="1200150" lvl="2" indent="-285750">
@@ -5217,16 +5048,8 @@
               <a:buChar char="•"/>
             </a:pPr>
             <a:r>
-              <a:rPr lang="en-US" dirty="0" smtClean="0"/>
-              <a:t>Online </a:t>
-            </a:r>
-            <a:r>
-              <a:rPr lang="en-US" dirty="0"/>
-              <a:t>– </a:t>
-            </a:r>
-            <a:r>
-              <a:rPr lang="en-US" dirty="0" smtClean="0"/>
-              <a:t>Play for points competitively against other individuals</a:t>
+              <a:rPr lang="en-US" dirty="0"/>
+              <a:t>Online – Play for points competitively against other individuals</a:t>
             </a:r>
           </a:p>
           <a:p>
@@ -5242,7 +5065,7 @@
               <a:buChar char="•"/>
             </a:pPr>
             <a:r>
-              <a:rPr lang="en-US" dirty="0" smtClean="0"/>
+              <a:rPr lang="en-US" dirty="0"/>
               <a:t>Users can create and join “Teams”</a:t>
             </a:r>
           </a:p>
@@ -5252,7 +5075,7 @@
               <a:buChar char="•"/>
             </a:pPr>
             <a:r>
-              <a:rPr lang="en-US" dirty="0" smtClean="0"/>
+              <a:rPr lang="en-US" dirty="0"/>
               <a:t>User accounts store data for cumulative points earned and total match victories</a:t>
             </a:r>
           </a:p>
@@ -5262,42 +5085,12 @@
               <a:buChar char="•"/>
             </a:pPr>
             <a:r>
-              <a:rPr lang="en-US" dirty="0" smtClean="0"/>
+              <a:rPr lang="en-US" dirty="0"/>
               <a:t>Users in a Team contribute their earnings to their Team’s statistics as well</a:t>
             </a:r>
           </a:p>
         </p:txBody>
       </p:sp>
-      <p:pic>
-        <p:nvPicPr>
-          <p:cNvPr id="4" name="Picture 3"/>
-          <p:cNvPicPr>
-            <a:picLocks noChangeAspect="1"/>
-          </p:cNvPicPr>
-          <p:nvPr/>
-        </p:nvPicPr>
-        <p:blipFill>
-          <a:blip r:embed="rId2" cstate="hqprint">
-            <a:extLst>
-              <a:ext uri="{28A0092B-C50C-407E-A947-70E740481C1C}">
-                <a14:useLocalDpi xmlns:a14="http://schemas.microsoft.com/office/drawing/2010/main" val="0"/>
-              </a:ext>
-            </a:extLst>
-          </a:blip>
-          <a:stretch>
-            <a:fillRect/>
-          </a:stretch>
-        </p:blipFill>
-        <p:spPr>
-          <a:xfrm>
-            <a:off x="9056078" y="3999554"/>
-            <a:ext cx="2975856" cy="1674415"/>
-          </a:xfrm>
-          <a:prstGeom prst="rect">
-            <a:avLst/>
-          </a:prstGeom>
-        </p:spPr>
-      </p:pic>
     </p:spTree>
     <p:extLst>
       <p:ext uri="{BB962C8B-B14F-4D97-AF65-F5344CB8AC3E}">
@@ -5345,10 +5138,9 @@
           <a:p>
             <a:pPr algn="ctr"/>
             <a:r>
-              <a:rPr lang="en-US" dirty="0" smtClean="0"/>
+              <a:rPr lang="en-US" dirty="0"/>
               <a:t>Current Status</a:t>
             </a:r>
-            <a:endParaRPr lang="en-US" dirty="0"/>
           </a:p>
         </p:txBody>
       </p:sp>
@@ -5365,61 +5157,60 @@
         <p:spPr/>
         <p:txBody>
           <a:bodyPr>
-            <a:normAutofit lnSpcReduction="10000"/>
+            <a:normAutofit/>
           </a:bodyPr>
           <a:lstStyle/>
           <a:p>
             <a:r>
-              <a:rPr lang="en-US" dirty="0" smtClean="0"/>
+              <a:rPr lang="en-US" dirty="0"/>
               <a:t>Clear goals</a:t>
             </a:r>
           </a:p>
           <a:p>
             <a:r>
-              <a:rPr lang="en-US" dirty="0" smtClean="0"/>
+              <a:rPr lang="en-US" dirty="0"/>
               <a:t>Our frontend is still in heavy development</a:t>
             </a:r>
           </a:p>
           <a:p>
             <a:pPr lvl="1"/>
             <a:r>
-              <a:rPr lang="en-US" dirty="0" smtClean="0"/>
+              <a:rPr lang="en-US" dirty="0"/>
               <a:t>Learning React</a:t>
             </a:r>
           </a:p>
           <a:p>
             <a:r>
-              <a:rPr lang="en-US" dirty="0" smtClean="0"/>
+              <a:rPr lang="en-US" dirty="0"/>
               <a:t>Backend has basic functionality</a:t>
             </a:r>
           </a:p>
           <a:p>
             <a:pPr lvl="1"/>
             <a:r>
-              <a:rPr lang="en-US" dirty="0" smtClean="0"/>
+              <a:rPr lang="en-US" dirty="0"/>
               <a:t>Database</a:t>
             </a:r>
           </a:p>
           <a:p>
             <a:pPr lvl="2"/>
             <a:r>
-              <a:rPr lang="en-US" dirty="0" smtClean="0"/>
+              <a:rPr lang="en-US" dirty="0"/>
               <a:t>Stores Users, Teams, Questions to choose from</a:t>
             </a:r>
           </a:p>
           <a:p>
             <a:pPr lvl="1"/>
             <a:r>
-              <a:rPr lang="en-US" dirty="0" smtClean="0"/>
+              <a:rPr lang="en-US" dirty="0"/>
               <a:t>Register/Log in</a:t>
             </a:r>
           </a:p>
           <a:p>
             <a:r>
-              <a:rPr lang="en-US" dirty="0" smtClean="0"/>
+              <a:rPr lang="en-US" dirty="0"/>
               <a:t>Still hooking everything together</a:t>
             </a:r>
-            <a:endParaRPr lang="en-US" dirty="0"/>
           </a:p>
         </p:txBody>
       </p:sp>
@@ -5470,10 +5261,9 @@
           <a:p>
             <a:pPr algn="ctr"/>
             <a:r>
-              <a:rPr lang="en-US" dirty="0" smtClean="0"/>
+              <a:rPr lang="en-US" dirty="0"/>
               <a:t>Planned Pages</a:t>
             </a:r>
-            <a:endParaRPr lang="en-US" dirty="0"/>
           </a:p>
         </p:txBody>
       </p:sp>
@@ -5496,72 +5286,67 @@
           <a:p>
             <a:r>
               <a:rPr lang="en-US" dirty="0"/>
-              <a:t>I</a:t>
-            </a:r>
-            <a:r>
-              <a:rPr lang="en-US" dirty="0" smtClean="0"/>
-              <a:t>ndex</a:t>
+              <a:t>Index</a:t>
             </a:r>
           </a:p>
           <a:p>
             <a:pPr lvl="1"/>
             <a:r>
-              <a:rPr lang="en-US" dirty="0" smtClean="0"/>
+              <a:rPr lang="en-US" dirty="0"/>
               <a:t>Homepage/Welcome screen</a:t>
             </a:r>
           </a:p>
           <a:p>
             <a:pPr lvl="1"/>
             <a:r>
-              <a:rPr lang="en-US" dirty="0" smtClean="0"/>
+              <a:rPr lang="en-US" dirty="0"/>
               <a:t>Big play button, either prompting the user to log in, or taking them directly to the Game page if already logged in</a:t>
             </a:r>
           </a:p>
           <a:p>
             <a:r>
-              <a:rPr lang="en-US" dirty="0" smtClean="0"/>
+              <a:rPr lang="en-US" dirty="0"/>
               <a:t>Game</a:t>
             </a:r>
           </a:p>
           <a:p>
             <a:r>
-              <a:rPr lang="en-US" dirty="0" smtClean="0"/>
+              <a:rPr lang="en-US" dirty="0"/>
               <a:t>User profile</a:t>
             </a:r>
           </a:p>
           <a:p>
             <a:pPr lvl="1"/>
             <a:r>
-              <a:rPr lang="en-US" dirty="0" smtClean="0"/>
+              <a:rPr lang="en-US" dirty="0"/>
               <a:t>See User’s statistics</a:t>
             </a:r>
           </a:p>
           <a:p>
             <a:r>
-              <a:rPr lang="en-US" dirty="0" smtClean="0"/>
+              <a:rPr lang="en-US" dirty="0"/>
               <a:t>Team page</a:t>
             </a:r>
           </a:p>
           <a:p>
             <a:pPr lvl="1"/>
             <a:r>
-              <a:rPr lang="en-US" dirty="0" smtClean="0"/>
+              <a:rPr lang="en-US" dirty="0"/>
               <a:t>See Team’s statistics</a:t>
             </a:r>
           </a:p>
           <a:p>
             <a:r>
-              <a:rPr lang="en-US" dirty="0" smtClean="0"/>
+              <a:rPr lang="en-US" dirty="0"/>
               <a:t>Leaderboards</a:t>
             </a:r>
           </a:p>
           <a:p>
             <a:pPr lvl="1"/>
             <a:r>
-              <a:rPr lang="en-US" dirty="0" smtClean="0"/>
+              <a:rPr lang="en-US" dirty="0"/>
               <a:t>See top-ranking Users and Teams</a:t>
             </a:r>
-            <a:endParaRPr lang="en-US" dirty="0"/>
           </a:p>
         </p:txBody>
       </p:sp>
@@ -5618,12 +5403,15 @@
           <a:p>
             <a:pPr algn="ctr"/>
             <a:r>
-              <a:rPr lang="en-US" dirty="0" smtClean="0"/>
-              <a:t>Website </a:t>
-            </a:r>
-            <a:r>
-              <a:rPr lang="en-US" dirty="0"/>
-              <a:t>game layout</a:t>
+              <a:rPr lang="en-US" dirty="0"/>
+              <a:t>Deliverables:</a:t>
+            </a:r>
+            <a:br>
+              <a:rPr lang="en-US" dirty="0"/>
+            </a:br>
+            <a:r>
+              <a:rPr lang="en-US" dirty="0"/>
+              <a:t>Website game layout</a:t>
             </a:r>
           </a:p>
         </p:txBody>
@@ -5732,12 +5520,15 @@
           <a:p>
             <a:pPr algn="ctr"/>
             <a:r>
-              <a:rPr lang="en-US" dirty="0" smtClean="0"/>
-              <a:t>Process </a:t>
-            </a:r>
-            <a:r>
-              <a:rPr lang="en-US" dirty="0"/>
-              <a:t>model</a:t>
+              <a:rPr lang="en-US" dirty="0"/>
+              <a:t>Deliverables:</a:t>
+            </a:r>
+            <a:br>
+              <a:rPr lang="en-US" dirty="0"/>
+            </a:br>
+            <a:r>
+              <a:rPr lang="en-US" dirty="0"/>
+              <a:t>Process model</a:t>
             </a:r>
           </a:p>
         </p:txBody>
@@ -5786,13 +5577,8 @@
             </a:pPr>
             <a:r>
               <a:rPr lang="en-US" dirty="0"/>
-              <a:t>Has many </a:t>
-            </a:r>
-            <a:r>
-              <a:rPr lang="en-US" dirty="0" smtClean="0"/>
-              <a:t>phases/parts</a:t>
-            </a:r>
-            <a:endParaRPr lang="en-US" dirty="0"/>
+              <a:t>Has many phases/parts</a:t>
+            </a:r>
           </a:p>
           <a:p>
             <a:pPr marL="742950" lvl="1" indent="-285750">
@@ -5803,7 +5589,6 @@
               <a:rPr lang="en-US" dirty="0"/>
               <a:t>Each part relies on the previous parts </a:t>
             </a:r>
-            <a:endParaRPr lang="en-US" dirty="0" smtClean="0"/>
           </a:p>
           <a:p>
             <a:pPr marL="742950" lvl="1" indent="-285750">
